--- a/CO_Lab.pptx
+++ b/CO_Lab.pptx
@@ -1,6 +1,6 @@
 
 <file path=ppt/presentation.xml><?xml version="1.0" encoding="utf-8"?>
-<p:presentation xmlns:a="http://schemas.openxmlformats.org/drawingml/2006/main" xmlns:r="http://schemas.openxmlformats.org/officeDocument/2006/relationships" xmlns:mc="http://schemas.openxmlformats.org/markup-compatibility/2006" xmlns:mv="urn:schemas-microsoft-com:mac:vml" xmlns:p="http://schemas.openxmlformats.org/presentationml/2006/main" xmlns:c="http://schemas.openxmlformats.org/drawingml/2006/chart" xmlns:dgm="http://schemas.openxmlformats.org/drawingml/2006/diagram" xmlns:o="urn:schemas-microsoft-com:office:office" xmlns:v="urn:schemas-microsoft-com:vml" xmlns:pvml="urn:schemas-microsoft-com:office:powerpoint" xmlns:com="http://schemas.openxmlformats.org/drawingml/2006/compatibility" xmlns:p14="http://schemas.microsoft.com/office/powerpoint/2010/main" xmlns:p15="http://schemas.microsoft.com/office/powerpoint/2012/main" autoCompressPictures="0" strictFirstAndLastChars="0" saveSubsetFonts="1">
+<p:presentation xmlns:a="http://schemas.openxmlformats.org/drawingml/2006/main" xmlns:r="http://schemas.openxmlformats.org/officeDocument/2006/relationships" xmlns:mc="http://schemas.openxmlformats.org/markup-compatibility/2006" xmlns:mv="urn:schemas-microsoft-com:mac:vml" xmlns:p="http://schemas.openxmlformats.org/presentationml/2006/main" xmlns:c="http://schemas.openxmlformats.org/drawingml/2006/chart" xmlns:dgm="http://schemas.openxmlformats.org/drawingml/2006/diagram" xmlns:o="urn:schemas-microsoft-com:office:office" xmlns:v="urn:schemas-microsoft-com:vml" xmlns:pvml="urn:schemas-microsoft-com:office:powerpoint" xmlns:com="http://schemas.openxmlformats.org/drawingml/2006/compatibility" xmlns:p14="http://schemas.microsoft.com/office/powerpoint/2010/main" xmlns:p15="http://schemas.microsoft.com/office/powerpoint/2012/main" xmlns:ahyp="http://schemas.microsoft.com/office/drawing/2018/hyperlinkcolor" autoCompressPictures="0" strictFirstAndLastChars="0" saveSubsetFonts="1">
   <p:sldMasterIdLst>
     <p:sldMasterId id="2147483659" r:id="rId4"/>
   </p:sldMasterIdLst>
@@ -287,7 +287,7 @@
 </file>
 
 <file path=ppt/notesMasters/notesMaster1.xml><?xml version="1.0" encoding="utf-8"?>
-<p:notesMaster xmlns:a="http://schemas.openxmlformats.org/drawingml/2006/main" xmlns:r="http://schemas.openxmlformats.org/officeDocument/2006/relationships" xmlns:mc="http://schemas.openxmlformats.org/markup-compatibility/2006" xmlns:mv="urn:schemas-microsoft-com:mac:vml" xmlns:p="http://schemas.openxmlformats.org/presentationml/2006/main" xmlns:c="http://schemas.openxmlformats.org/drawingml/2006/chart" xmlns:dgm="http://schemas.openxmlformats.org/drawingml/2006/diagram" xmlns:o="urn:schemas-microsoft-com:office:office" xmlns:v="urn:schemas-microsoft-com:vml" xmlns:pvml="urn:schemas-microsoft-com:office:powerpoint" xmlns:com="http://schemas.openxmlformats.org/drawingml/2006/compatibility" xmlns:p14="http://schemas.microsoft.com/office/powerpoint/2010/main" xmlns:p15="http://schemas.microsoft.com/office/powerpoint/2012/main">
+<p:notesMaster xmlns:a="http://schemas.openxmlformats.org/drawingml/2006/main" xmlns:r="http://schemas.openxmlformats.org/officeDocument/2006/relationships" xmlns:mc="http://schemas.openxmlformats.org/markup-compatibility/2006" xmlns:mv="urn:schemas-microsoft-com:mac:vml" xmlns:p="http://schemas.openxmlformats.org/presentationml/2006/main" xmlns:c="http://schemas.openxmlformats.org/drawingml/2006/chart" xmlns:dgm="http://schemas.openxmlformats.org/drawingml/2006/diagram" xmlns:o="urn:schemas-microsoft-com:office:office" xmlns:v="urn:schemas-microsoft-com:vml" xmlns:pvml="urn:schemas-microsoft-com:office:powerpoint" xmlns:com="http://schemas.openxmlformats.org/drawingml/2006/compatibility" xmlns:p14="http://schemas.microsoft.com/office/powerpoint/2010/main" xmlns:p15="http://schemas.microsoft.com/office/powerpoint/2012/main" xmlns:ahyp="http://schemas.microsoft.com/office/drawing/2018/hyperlinkcolor">
   <p:cSld>
     <p:spTree>
       <p:nvGrpSpPr>
@@ -713,7 +713,7 @@
 </file>
 
 <file path=ppt/notesSlides/notesSlide1.xml><?xml version="1.0" encoding="utf-8"?>
-<p:notes xmlns:a="http://schemas.openxmlformats.org/drawingml/2006/main" xmlns:r="http://schemas.openxmlformats.org/officeDocument/2006/relationships" xmlns:mc="http://schemas.openxmlformats.org/markup-compatibility/2006" xmlns:mv="urn:schemas-microsoft-com:mac:vml" xmlns:p="http://schemas.openxmlformats.org/presentationml/2006/main" xmlns:c="http://schemas.openxmlformats.org/drawingml/2006/chart" xmlns:dgm="http://schemas.openxmlformats.org/drawingml/2006/diagram" xmlns:o="urn:schemas-microsoft-com:office:office" xmlns:v="urn:schemas-microsoft-com:vml" xmlns:pvml="urn:schemas-microsoft-com:office:powerpoint" xmlns:com="http://schemas.openxmlformats.org/drawingml/2006/compatibility" xmlns:p14="http://schemas.microsoft.com/office/powerpoint/2010/main" xmlns:p15="http://schemas.microsoft.com/office/powerpoint/2012/main" showMasterPhAnim="0" showMasterSp="0">
+<p:notes xmlns:a="http://schemas.openxmlformats.org/drawingml/2006/main" xmlns:r="http://schemas.openxmlformats.org/officeDocument/2006/relationships" xmlns:mc="http://schemas.openxmlformats.org/markup-compatibility/2006" xmlns:mv="urn:schemas-microsoft-com:mac:vml" xmlns:p="http://schemas.openxmlformats.org/presentationml/2006/main" xmlns:c="http://schemas.openxmlformats.org/drawingml/2006/chart" xmlns:dgm="http://schemas.openxmlformats.org/drawingml/2006/diagram" xmlns:o="urn:schemas-microsoft-com:office:office" xmlns:v="urn:schemas-microsoft-com:vml" xmlns:pvml="urn:schemas-microsoft-com:office:powerpoint" xmlns:com="http://schemas.openxmlformats.org/drawingml/2006/compatibility" xmlns:p14="http://schemas.microsoft.com/office/powerpoint/2010/main" xmlns:p15="http://schemas.microsoft.com/office/powerpoint/2012/main" xmlns:ahyp="http://schemas.microsoft.com/office/drawing/2018/hyperlinkcolor" showMasterPhAnim="0" showMasterSp="0">
   <p:cSld>
     <p:spTree>
       <p:nvGrpSpPr>
@@ -812,7 +812,7 @@
 </file>
 
 <file path=ppt/notesSlides/notesSlide10.xml><?xml version="1.0" encoding="utf-8"?>
-<p:notes xmlns:a="http://schemas.openxmlformats.org/drawingml/2006/main" xmlns:r="http://schemas.openxmlformats.org/officeDocument/2006/relationships" xmlns:mc="http://schemas.openxmlformats.org/markup-compatibility/2006" xmlns:mv="urn:schemas-microsoft-com:mac:vml" xmlns:p="http://schemas.openxmlformats.org/presentationml/2006/main" xmlns:c="http://schemas.openxmlformats.org/drawingml/2006/chart" xmlns:dgm="http://schemas.openxmlformats.org/drawingml/2006/diagram" xmlns:o="urn:schemas-microsoft-com:office:office" xmlns:v="urn:schemas-microsoft-com:vml" xmlns:pvml="urn:schemas-microsoft-com:office:powerpoint" xmlns:com="http://schemas.openxmlformats.org/drawingml/2006/compatibility" xmlns:p14="http://schemas.microsoft.com/office/powerpoint/2010/main" xmlns:p15="http://schemas.microsoft.com/office/powerpoint/2012/main" showMasterPhAnim="0" showMasterSp="0">
+<p:notes xmlns:a="http://schemas.openxmlformats.org/drawingml/2006/main" xmlns:r="http://schemas.openxmlformats.org/officeDocument/2006/relationships" xmlns:mc="http://schemas.openxmlformats.org/markup-compatibility/2006" xmlns:mv="urn:schemas-microsoft-com:mac:vml" xmlns:p="http://schemas.openxmlformats.org/presentationml/2006/main" xmlns:c="http://schemas.openxmlformats.org/drawingml/2006/chart" xmlns:dgm="http://schemas.openxmlformats.org/drawingml/2006/diagram" xmlns:o="urn:schemas-microsoft-com:office:office" xmlns:v="urn:schemas-microsoft-com:vml" xmlns:pvml="urn:schemas-microsoft-com:office:powerpoint" xmlns:com="http://schemas.openxmlformats.org/drawingml/2006/compatibility" xmlns:p14="http://schemas.microsoft.com/office/powerpoint/2010/main" xmlns:p15="http://schemas.microsoft.com/office/powerpoint/2012/main" xmlns:ahyp="http://schemas.microsoft.com/office/drawing/2018/hyperlinkcolor" showMasterPhAnim="0" showMasterSp="0">
   <p:cSld>
     <p:spTree>
       <p:nvGrpSpPr>
@@ -929,7 +929,7 @@
 </file>
 
 <file path=ppt/notesSlides/notesSlide11.xml><?xml version="1.0" encoding="utf-8"?>
-<p:notes xmlns:a="http://schemas.openxmlformats.org/drawingml/2006/main" xmlns:r="http://schemas.openxmlformats.org/officeDocument/2006/relationships" xmlns:mc="http://schemas.openxmlformats.org/markup-compatibility/2006" xmlns:mv="urn:schemas-microsoft-com:mac:vml" xmlns:p="http://schemas.openxmlformats.org/presentationml/2006/main" xmlns:c="http://schemas.openxmlformats.org/drawingml/2006/chart" xmlns:dgm="http://schemas.openxmlformats.org/drawingml/2006/diagram" xmlns:o="urn:schemas-microsoft-com:office:office" xmlns:v="urn:schemas-microsoft-com:vml" xmlns:pvml="urn:schemas-microsoft-com:office:powerpoint" xmlns:com="http://schemas.openxmlformats.org/drawingml/2006/compatibility" xmlns:p14="http://schemas.microsoft.com/office/powerpoint/2010/main" xmlns:p15="http://schemas.microsoft.com/office/powerpoint/2012/main" showMasterPhAnim="0" showMasterSp="0">
+<p:notes xmlns:a="http://schemas.openxmlformats.org/drawingml/2006/main" xmlns:r="http://schemas.openxmlformats.org/officeDocument/2006/relationships" xmlns:mc="http://schemas.openxmlformats.org/markup-compatibility/2006" xmlns:mv="urn:schemas-microsoft-com:mac:vml" xmlns:p="http://schemas.openxmlformats.org/presentationml/2006/main" xmlns:c="http://schemas.openxmlformats.org/drawingml/2006/chart" xmlns:dgm="http://schemas.openxmlformats.org/drawingml/2006/diagram" xmlns:o="urn:schemas-microsoft-com:office:office" xmlns:v="urn:schemas-microsoft-com:vml" xmlns:pvml="urn:schemas-microsoft-com:office:powerpoint" xmlns:com="http://schemas.openxmlformats.org/drawingml/2006/compatibility" xmlns:p14="http://schemas.microsoft.com/office/powerpoint/2010/main" xmlns:p15="http://schemas.microsoft.com/office/powerpoint/2012/main" xmlns:ahyp="http://schemas.microsoft.com/office/drawing/2018/hyperlinkcolor" showMasterPhAnim="0" showMasterSp="0">
   <p:cSld>
     <p:spTree>
       <p:nvGrpSpPr>
@@ -1046,7 +1046,7 @@
 </file>
 
 <file path=ppt/notesSlides/notesSlide12.xml><?xml version="1.0" encoding="utf-8"?>
-<p:notes xmlns:a="http://schemas.openxmlformats.org/drawingml/2006/main" xmlns:r="http://schemas.openxmlformats.org/officeDocument/2006/relationships" xmlns:mc="http://schemas.openxmlformats.org/markup-compatibility/2006" xmlns:mv="urn:schemas-microsoft-com:mac:vml" xmlns:p="http://schemas.openxmlformats.org/presentationml/2006/main" xmlns:c="http://schemas.openxmlformats.org/drawingml/2006/chart" xmlns:dgm="http://schemas.openxmlformats.org/drawingml/2006/diagram" xmlns:o="urn:schemas-microsoft-com:office:office" xmlns:v="urn:schemas-microsoft-com:vml" xmlns:pvml="urn:schemas-microsoft-com:office:powerpoint" xmlns:com="http://schemas.openxmlformats.org/drawingml/2006/compatibility" xmlns:p14="http://schemas.microsoft.com/office/powerpoint/2010/main" xmlns:p15="http://schemas.microsoft.com/office/powerpoint/2012/main" showMasterPhAnim="0" showMasterSp="0">
+<p:notes xmlns:a="http://schemas.openxmlformats.org/drawingml/2006/main" xmlns:r="http://schemas.openxmlformats.org/officeDocument/2006/relationships" xmlns:mc="http://schemas.openxmlformats.org/markup-compatibility/2006" xmlns:mv="urn:schemas-microsoft-com:mac:vml" xmlns:p="http://schemas.openxmlformats.org/presentationml/2006/main" xmlns:c="http://schemas.openxmlformats.org/drawingml/2006/chart" xmlns:dgm="http://schemas.openxmlformats.org/drawingml/2006/diagram" xmlns:o="urn:schemas-microsoft-com:office:office" xmlns:v="urn:schemas-microsoft-com:vml" xmlns:pvml="urn:schemas-microsoft-com:office:powerpoint" xmlns:com="http://schemas.openxmlformats.org/drawingml/2006/compatibility" xmlns:p14="http://schemas.microsoft.com/office/powerpoint/2010/main" xmlns:p15="http://schemas.microsoft.com/office/powerpoint/2012/main" xmlns:ahyp="http://schemas.microsoft.com/office/drawing/2018/hyperlinkcolor" showMasterPhAnim="0" showMasterSp="0">
   <p:cSld>
     <p:spTree>
       <p:nvGrpSpPr>
@@ -1145,7 +1145,7 @@
 </file>
 
 <file path=ppt/notesSlides/notesSlide13.xml><?xml version="1.0" encoding="utf-8"?>
-<p:notes xmlns:a="http://schemas.openxmlformats.org/drawingml/2006/main" xmlns:r="http://schemas.openxmlformats.org/officeDocument/2006/relationships" xmlns:mc="http://schemas.openxmlformats.org/markup-compatibility/2006" xmlns:mv="urn:schemas-microsoft-com:mac:vml" xmlns:p="http://schemas.openxmlformats.org/presentationml/2006/main" xmlns:c="http://schemas.openxmlformats.org/drawingml/2006/chart" xmlns:dgm="http://schemas.openxmlformats.org/drawingml/2006/diagram" xmlns:o="urn:schemas-microsoft-com:office:office" xmlns:v="urn:schemas-microsoft-com:vml" xmlns:pvml="urn:schemas-microsoft-com:office:powerpoint" xmlns:com="http://schemas.openxmlformats.org/drawingml/2006/compatibility" xmlns:p14="http://schemas.microsoft.com/office/powerpoint/2010/main" xmlns:p15="http://schemas.microsoft.com/office/powerpoint/2012/main" showMasterPhAnim="0" showMasterSp="0">
+<p:notes xmlns:a="http://schemas.openxmlformats.org/drawingml/2006/main" xmlns:r="http://schemas.openxmlformats.org/officeDocument/2006/relationships" xmlns:mc="http://schemas.openxmlformats.org/markup-compatibility/2006" xmlns:mv="urn:schemas-microsoft-com:mac:vml" xmlns:p="http://schemas.openxmlformats.org/presentationml/2006/main" xmlns:c="http://schemas.openxmlformats.org/drawingml/2006/chart" xmlns:dgm="http://schemas.openxmlformats.org/drawingml/2006/diagram" xmlns:o="urn:schemas-microsoft-com:office:office" xmlns:v="urn:schemas-microsoft-com:vml" xmlns:pvml="urn:schemas-microsoft-com:office:powerpoint" xmlns:com="http://schemas.openxmlformats.org/drawingml/2006/compatibility" xmlns:p14="http://schemas.microsoft.com/office/powerpoint/2010/main" xmlns:p15="http://schemas.microsoft.com/office/powerpoint/2012/main" xmlns:ahyp="http://schemas.microsoft.com/office/drawing/2018/hyperlinkcolor" showMasterPhAnim="0" showMasterSp="0">
   <p:cSld>
     <p:spTree>
       <p:nvGrpSpPr>
@@ -1244,7 +1244,7 @@
 </file>
 
 <file path=ppt/notesSlides/notesSlide14.xml><?xml version="1.0" encoding="utf-8"?>
-<p:notes xmlns:a="http://schemas.openxmlformats.org/drawingml/2006/main" xmlns:r="http://schemas.openxmlformats.org/officeDocument/2006/relationships" xmlns:mc="http://schemas.openxmlformats.org/markup-compatibility/2006" xmlns:mv="urn:schemas-microsoft-com:mac:vml" xmlns:p="http://schemas.openxmlformats.org/presentationml/2006/main" xmlns:c="http://schemas.openxmlformats.org/drawingml/2006/chart" xmlns:dgm="http://schemas.openxmlformats.org/drawingml/2006/diagram" xmlns:o="urn:schemas-microsoft-com:office:office" xmlns:v="urn:schemas-microsoft-com:vml" xmlns:pvml="urn:schemas-microsoft-com:office:powerpoint" xmlns:com="http://schemas.openxmlformats.org/drawingml/2006/compatibility" xmlns:p14="http://schemas.microsoft.com/office/powerpoint/2010/main" xmlns:p15="http://schemas.microsoft.com/office/powerpoint/2012/main" showMasterPhAnim="0" showMasterSp="0">
+<p:notes xmlns:a="http://schemas.openxmlformats.org/drawingml/2006/main" xmlns:r="http://schemas.openxmlformats.org/officeDocument/2006/relationships" xmlns:mc="http://schemas.openxmlformats.org/markup-compatibility/2006" xmlns:mv="urn:schemas-microsoft-com:mac:vml" xmlns:p="http://schemas.openxmlformats.org/presentationml/2006/main" xmlns:c="http://schemas.openxmlformats.org/drawingml/2006/chart" xmlns:dgm="http://schemas.openxmlformats.org/drawingml/2006/diagram" xmlns:o="urn:schemas-microsoft-com:office:office" xmlns:v="urn:schemas-microsoft-com:vml" xmlns:pvml="urn:schemas-microsoft-com:office:powerpoint" xmlns:com="http://schemas.openxmlformats.org/drawingml/2006/compatibility" xmlns:p14="http://schemas.microsoft.com/office/powerpoint/2010/main" xmlns:p15="http://schemas.microsoft.com/office/powerpoint/2012/main" xmlns:ahyp="http://schemas.microsoft.com/office/drawing/2018/hyperlinkcolor" showMasterPhAnim="0" showMasterSp="0">
   <p:cSld>
     <p:spTree>
       <p:nvGrpSpPr>
@@ -1343,7 +1343,7 @@
 </file>
 
 <file path=ppt/notesSlides/notesSlide15.xml><?xml version="1.0" encoding="utf-8"?>
-<p:notes xmlns:a="http://schemas.openxmlformats.org/drawingml/2006/main" xmlns:r="http://schemas.openxmlformats.org/officeDocument/2006/relationships" xmlns:mc="http://schemas.openxmlformats.org/markup-compatibility/2006" xmlns:mv="urn:schemas-microsoft-com:mac:vml" xmlns:p="http://schemas.openxmlformats.org/presentationml/2006/main" xmlns:c="http://schemas.openxmlformats.org/drawingml/2006/chart" xmlns:dgm="http://schemas.openxmlformats.org/drawingml/2006/diagram" xmlns:o="urn:schemas-microsoft-com:office:office" xmlns:v="urn:schemas-microsoft-com:vml" xmlns:pvml="urn:schemas-microsoft-com:office:powerpoint" xmlns:com="http://schemas.openxmlformats.org/drawingml/2006/compatibility" xmlns:p14="http://schemas.microsoft.com/office/powerpoint/2010/main" xmlns:p15="http://schemas.microsoft.com/office/powerpoint/2012/main" showMasterPhAnim="0" showMasterSp="0">
+<p:notes xmlns:a="http://schemas.openxmlformats.org/drawingml/2006/main" xmlns:r="http://schemas.openxmlformats.org/officeDocument/2006/relationships" xmlns:mc="http://schemas.openxmlformats.org/markup-compatibility/2006" xmlns:mv="urn:schemas-microsoft-com:mac:vml" xmlns:p="http://schemas.openxmlformats.org/presentationml/2006/main" xmlns:c="http://schemas.openxmlformats.org/drawingml/2006/chart" xmlns:dgm="http://schemas.openxmlformats.org/drawingml/2006/diagram" xmlns:o="urn:schemas-microsoft-com:office:office" xmlns:v="urn:schemas-microsoft-com:vml" xmlns:pvml="urn:schemas-microsoft-com:office:powerpoint" xmlns:com="http://schemas.openxmlformats.org/drawingml/2006/compatibility" xmlns:p14="http://schemas.microsoft.com/office/powerpoint/2010/main" xmlns:p15="http://schemas.microsoft.com/office/powerpoint/2012/main" xmlns:ahyp="http://schemas.microsoft.com/office/drawing/2018/hyperlinkcolor" showMasterPhAnim="0" showMasterSp="0">
   <p:cSld>
     <p:spTree>
       <p:nvGrpSpPr>
@@ -1442,7 +1442,7 @@
 </file>
 
 <file path=ppt/notesSlides/notesSlide16.xml><?xml version="1.0" encoding="utf-8"?>
-<p:notes xmlns:a="http://schemas.openxmlformats.org/drawingml/2006/main" xmlns:r="http://schemas.openxmlformats.org/officeDocument/2006/relationships" xmlns:mc="http://schemas.openxmlformats.org/markup-compatibility/2006" xmlns:mv="urn:schemas-microsoft-com:mac:vml" xmlns:p="http://schemas.openxmlformats.org/presentationml/2006/main" xmlns:c="http://schemas.openxmlformats.org/drawingml/2006/chart" xmlns:dgm="http://schemas.openxmlformats.org/drawingml/2006/diagram" xmlns:o="urn:schemas-microsoft-com:office:office" xmlns:v="urn:schemas-microsoft-com:vml" xmlns:pvml="urn:schemas-microsoft-com:office:powerpoint" xmlns:com="http://schemas.openxmlformats.org/drawingml/2006/compatibility" xmlns:p14="http://schemas.microsoft.com/office/powerpoint/2010/main" xmlns:p15="http://schemas.microsoft.com/office/powerpoint/2012/main" showMasterPhAnim="0" showMasterSp="0">
+<p:notes xmlns:a="http://schemas.openxmlformats.org/drawingml/2006/main" xmlns:r="http://schemas.openxmlformats.org/officeDocument/2006/relationships" xmlns:mc="http://schemas.openxmlformats.org/markup-compatibility/2006" xmlns:mv="urn:schemas-microsoft-com:mac:vml" xmlns:p="http://schemas.openxmlformats.org/presentationml/2006/main" xmlns:c="http://schemas.openxmlformats.org/drawingml/2006/chart" xmlns:dgm="http://schemas.openxmlformats.org/drawingml/2006/diagram" xmlns:o="urn:schemas-microsoft-com:office:office" xmlns:v="urn:schemas-microsoft-com:vml" xmlns:pvml="urn:schemas-microsoft-com:office:powerpoint" xmlns:com="http://schemas.openxmlformats.org/drawingml/2006/compatibility" xmlns:p14="http://schemas.microsoft.com/office/powerpoint/2010/main" xmlns:p15="http://schemas.microsoft.com/office/powerpoint/2012/main" xmlns:ahyp="http://schemas.microsoft.com/office/drawing/2018/hyperlinkcolor" showMasterPhAnim="0" showMasterSp="0">
   <p:cSld>
     <p:spTree>
       <p:nvGrpSpPr>
@@ -1541,7 +1541,7 @@
 </file>
 
 <file path=ppt/notesSlides/notesSlide17.xml><?xml version="1.0" encoding="utf-8"?>
-<p:notes xmlns:a="http://schemas.openxmlformats.org/drawingml/2006/main" xmlns:r="http://schemas.openxmlformats.org/officeDocument/2006/relationships" xmlns:mc="http://schemas.openxmlformats.org/markup-compatibility/2006" xmlns:mv="urn:schemas-microsoft-com:mac:vml" xmlns:p="http://schemas.openxmlformats.org/presentationml/2006/main" xmlns:c="http://schemas.openxmlformats.org/drawingml/2006/chart" xmlns:dgm="http://schemas.openxmlformats.org/drawingml/2006/diagram" xmlns:o="urn:schemas-microsoft-com:office:office" xmlns:v="urn:schemas-microsoft-com:vml" xmlns:pvml="urn:schemas-microsoft-com:office:powerpoint" xmlns:com="http://schemas.openxmlformats.org/drawingml/2006/compatibility" xmlns:p14="http://schemas.microsoft.com/office/powerpoint/2010/main" xmlns:p15="http://schemas.microsoft.com/office/powerpoint/2012/main" showMasterPhAnim="0" showMasterSp="0">
+<p:notes xmlns:a="http://schemas.openxmlformats.org/drawingml/2006/main" xmlns:r="http://schemas.openxmlformats.org/officeDocument/2006/relationships" xmlns:mc="http://schemas.openxmlformats.org/markup-compatibility/2006" xmlns:mv="urn:schemas-microsoft-com:mac:vml" xmlns:p="http://schemas.openxmlformats.org/presentationml/2006/main" xmlns:c="http://schemas.openxmlformats.org/drawingml/2006/chart" xmlns:dgm="http://schemas.openxmlformats.org/drawingml/2006/diagram" xmlns:o="urn:schemas-microsoft-com:office:office" xmlns:v="urn:schemas-microsoft-com:vml" xmlns:pvml="urn:schemas-microsoft-com:office:powerpoint" xmlns:com="http://schemas.openxmlformats.org/drawingml/2006/compatibility" xmlns:p14="http://schemas.microsoft.com/office/powerpoint/2010/main" xmlns:p15="http://schemas.microsoft.com/office/powerpoint/2012/main" xmlns:ahyp="http://schemas.microsoft.com/office/drawing/2018/hyperlinkcolor" showMasterPhAnim="0" showMasterSp="0">
   <p:cSld>
     <p:spTree>
       <p:nvGrpSpPr>
@@ -1640,7 +1640,7 @@
 </file>
 
 <file path=ppt/notesSlides/notesSlide18.xml><?xml version="1.0" encoding="utf-8"?>
-<p:notes xmlns:a="http://schemas.openxmlformats.org/drawingml/2006/main" xmlns:r="http://schemas.openxmlformats.org/officeDocument/2006/relationships" xmlns:mc="http://schemas.openxmlformats.org/markup-compatibility/2006" xmlns:mv="urn:schemas-microsoft-com:mac:vml" xmlns:p="http://schemas.openxmlformats.org/presentationml/2006/main" xmlns:c="http://schemas.openxmlformats.org/drawingml/2006/chart" xmlns:dgm="http://schemas.openxmlformats.org/drawingml/2006/diagram" xmlns:o="urn:schemas-microsoft-com:office:office" xmlns:v="urn:schemas-microsoft-com:vml" xmlns:pvml="urn:schemas-microsoft-com:office:powerpoint" xmlns:com="http://schemas.openxmlformats.org/drawingml/2006/compatibility" xmlns:p14="http://schemas.microsoft.com/office/powerpoint/2010/main" xmlns:p15="http://schemas.microsoft.com/office/powerpoint/2012/main" showMasterPhAnim="0" showMasterSp="0">
+<p:notes xmlns:a="http://schemas.openxmlformats.org/drawingml/2006/main" xmlns:r="http://schemas.openxmlformats.org/officeDocument/2006/relationships" xmlns:mc="http://schemas.openxmlformats.org/markup-compatibility/2006" xmlns:mv="urn:schemas-microsoft-com:mac:vml" xmlns:p="http://schemas.openxmlformats.org/presentationml/2006/main" xmlns:c="http://schemas.openxmlformats.org/drawingml/2006/chart" xmlns:dgm="http://schemas.openxmlformats.org/drawingml/2006/diagram" xmlns:o="urn:schemas-microsoft-com:office:office" xmlns:v="urn:schemas-microsoft-com:vml" xmlns:pvml="urn:schemas-microsoft-com:office:powerpoint" xmlns:com="http://schemas.openxmlformats.org/drawingml/2006/compatibility" xmlns:p14="http://schemas.microsoft.com/office/powerpoint/2010/main" xmlns:p15="http://schemas.microsoft.com/office/powerpoint/2012/main" xmlns:ahyp="http://schemas.microsoft.com/office/drawing/2018/hyperlinkcolor" showMasterPhAnim="0" showMasterSp="0">
   <p:cSld>
     <p:spTree>
       <p:nvGrpSpPr>
@@ -1739,7 +1739,7 @@
 </file>
 
 <file path=ppt/notesSlides/notesSlide19.xml><?xml version="1.0" encoding="utf-8"?>
-<p:notes xmlns:a="http://schemas.openxmlformats.org/drawingml/2006/main" xmlns:r="http://schemas.openxmlformats.org/officeDocument/2006/relationships" xmlns:mc="http://schemas.openxmlformats.org/markup-compatibility/2006" xmlns:mv="urn:schemas-microsoft-com:mac:vml" xmlns:p="http://schemas.openxmlformats.org/presentationml/2006/main" xmlns:c="http://schemas.openxmlformats.org/drawingml/2006/chart" xmlns:dgm="http://schemas.openxmlformats.org/drawingml/2006/diagram" xmlns:o="urn:schemas-microsoft-com:office:office" xmlns:v="urn:schemas-microsoft-com:vml" xmlns:pvml="urn:schemas-microsoft-com:office:powerpoint" xmlns:com="http://schemas.openxmlformats.org/drawingml/2006/compatibility" xmlns:p14="http://schemas.microsoft.com/office/powerpoint/2010/main" xmlns:p15="http://schemas.microsoft.com/office/powerpoint/2012/main" showMasterPhAnim="0" showMasterSp="0">
+<p:notes xmlns:a="http://schemas.openxmlformats.org/drawingml/2006/main" xmlns:r="http://schemas.openxmlformats.org/officeDocument/2006/relationships" xmlns:mc="http://schemas.openxmlformats.org/markup-compatibility/2006" xmlns:mv="urn:schemas-microsoft-com:mac:vml" xmlns:p="http://schemas.openxmlformats.org/presentationml/2006/main" xmlns:c="http://schemas.openxmlformats.org/drawingml/2006/chart" xmlns:dgm="http://schemas.openxmlformats.org/drawingml/2006/diagram" xmlns:o="urn:schemas-microsoft-com:office:office" xmlns:v="urn:schemas-microsoft-com:vml" xmlns:pvml="urn:schemas-microsoft-com:office:powerpoint" xmlns:com="http://schemas.openxmlformats.org/drawingml/2006/compatibility" xmlns:p14="http://schemas.microsoft.com/office/powerpoint/2010/main" xmlns:p15="http://schemas.microsoft.com/office/powerpoint/2012/main" xmlns:ahyp="http://schemas.microsoft.com/office/drawing/2018/hyperlinkcolor" showMasterPhAnim="0" showMasterSp="0">
   <p:cSld>
     <p:spTree>
       <p:nvGrpSpPr>
@@ -1838,7 +1838,7 @@
 </file>
 
 <file path=ppt/notesSlides/notesSlide2.xml><?xml version="1.0" encoding="utf-8"?>
-<p:notes xmlns:a="http://schemas.openxmlformats.org/drawingml/2006/main" xmlns:r="http://schemas.openxmlformats.org/officeDocument/2006/relationships" xmlns:mc="http://schemas.openxmlformats.org/markup-compatibility/2006" xmlns:mv="urn:schemas-microsoft-com:mac:vml" xmlns:p="http://schemas.openxmlformats.org/presentationml/2006/main" xmlns:c="http://schemas.openxmlformats.org/drawingml/2006/chart" xmlns:dgm="http://schemas.openxmlformats.org/drawingml/2006/diagram" xmlns:o="urn:schemas-microsoft-com:office:office" xmlns:v="urn:schemas-microsoft-com:vml" xmlns:pvml="urn:schemas-microsoft-com:office:powerpoint" xmlns:com="http://schemas.openxmlformats.org/drawingml/2006/compatibility" xmlns:p14="http://schemas.microsoft.com/office/powerpoint/2010/main" xmlns:p15="http://schemas.microsoft.com/office/powerpoint/2012/main" showMasterPhAnim="0" showMasterSp="0">
+<p:notes xmlns:a="http://schemas.openxmlformats.org/drawingml/2006/main" xmlns:r="http://schemas.openxmlformats.org/officeDocument/2006/relationships" xmlns:mc="http://schemas.openxmlformats.org/markup-compatibility/2006" xmlns:mv="urn:schemas-microsoft-com:mac:vml" xmlns:p="http://schemas.openxmlformats.org/presentationml/2006/main" xmlns:c="http://schemas.openxmlformats.org/drawingml/2006/chart" xmlns:dgm="http://schemas.openxmlformats.org/drawingml/2006/diagram" xmlns:o="urn:schemas-microsoft-com:office:office" xmlns:v="urn:schemas-microsoft-com:vml" xmlns:pvml="urn:schemas-microsoft-com:office:powerpoint" xmlns:com="http://schemas.openxmlformats.org/drawingml/2006/compatibility" xmlns:p14="http://schemas.microsoft.com/office/powerpoint/2010/main" xmlns:p15="http://schemas.microsoft.com/office/powerpoint/2012/main" xmlns:ahyp="http://schemas.microsoft.com/office/drawing/2018/hyperlinkcolor" showMasterPhAnim="0" showMasterSp="0">
   <p:cSld>
     <p:spTree>
       <p:nvGrpSpPr>
@@ -1937,7 +1937,7 @@
 </file>
 
 <file path=ppt/notesSlides/notesSlide20.xml><?xml version="1.0" encoding="utf-8"?>
-<p:notes xmlns:a="http://schemas.openxmlformats.org/drawingml/2006/main" xmlns:r="http://schemas.openxmlformats.org/officeDocument/2006/relationships" xmlns:mc="http://schemas.openxmlformats.org/markup-compatibility/2006" xmlns:mv="urn:schemas-microsoft-com:mac:vml" xmlns:p="http://schemas.openxmlformats.org/presentationml/2006/main" xmlns:c="http://schemas.openxmlformats.org/drawingml/2006/chart" xmlns:dgm="http://schemas.openxmlformats.org/drawingml/2006/diagram" xmlns:o="urn:schemas-microsoft-com:office:office" xmlns:v="urn:schemas-microsoft-com:vml" xmlns:pvml="urn:schemas-microsoft-com:office:powerpoint" xmlns:com="http://schemas.openxmlformats.org/drawingml/2006/compatibility" xmlns:p14="http://schemas.microsoft.com/office/powerpoint/2010/main" xmlns:p15="http://schemas.microsoft.com/office/powerpoint/2012/main" showMasterPhAnim="0" showMasterSp="0">
+<p:notes xmlns:a="http://schemas.openxmlformats.org/drawingml/2006/main" xmlns:r="http://schemas.openxmlformats.org/officeDocument/2006/relationships" xmlns:mc="http://schemas.openxmlformats.org/markup-compatibility/2006" xmlns:mv="urn:schemas-microsoft-com:mac:vml" xmlns:p="http://schemas.openxmlformats.org/presentationml/2006/main" xmlns:c="http://schemas.openxmlformats.org/drawingml/2006/chart" xmlns:dgm="http://schemas.openxmlformats.org/drawingml/2006/diagram" xmlns:o="urn:schemas-microsoft-com:office:office" xmlns:v="urn:schemas-microsoft-com:vml" xmlns:pvml="urn:schemas-microsoft-com:office:powerpoint" xmlns:com="http://schemas.openxmlformats.org/drawingml/2006/compatibility" xmlns:p14="http://schemas.microsoft.com/office/powerpoint/2010/main" xmlns:p15="http://schemas.microsoft.com/office/powerpoint/2012/main" xmlns:ahyp="http://schemas.microsoft.com/office/drawing/2018/hyperlinkcolor" showMasterPhAnim="0" showMasterSp="0">
   <p:cSld>
     <p:spTree>
       <p:nvGrpSpPr>
@@ -2036,7 +2036,7 @@
 </file>
 
 <file path=ppt/notesSlides/notesSlide21.xml><?xml version="1.0" encoding="utf-8"?>
-<p:notes xmlns:a="http://schemas.openxmlformats.org/drawingml/2006/main" xmlns:r="http://schemas.openxmlformats.org/officeDocument/2006/relationships" xmlns:mc="http://schemas.openxmlformats.org/markup-compatibility/2006" xmlns:mv="urn:schemas-microsoft-com:mac:vml" xmlns:p="http://schemas.openxmlformats.org/presentationml/2006/main" xmlns:c="http://schemas.openxmlformats.org/drawingml/2006/chart" xmlns:dgm="http://schemas.openxmlformats.org/drawingml/2006/diagram" xmlns:o="urn:schemas-microsoft-com:office:office" xmlns:v="urn:schemas-microsoft-com:vml" xmlns:pvml="urn:schemas-microsoft-com:office:powerpoint" xmlns:com="http://schemas.openxmlformats.org/drawingml/2006/compatibility" xmlns:p14="http://schemas.microsoft.com/office/powerpoint/2010/main" xmlns:p15="http://schemas.microsoft.com/office/powerpoint/2012/main" showMasterPhAnim="0" showMasterSp="0">
+<p:notes xmlns:a="http://schemas.openxmlformats.org/drawingml/2006/main" xmlns:r="http://schemas.openxmlformats.org/officeDocument/2006/relationships" xmlns:mc="http://schemas.openxmlformats.org/markup-compatibility/2006" xmlns:mv="urn:schemas-microsoft-com:mac:vml" xmlns:p="http://schemas.openxmlformats.org/presentationml/2006/main" xmlns:c="http://schemas.openxmlformats.org/drawingml/2006/chart" xmlns:dgm="http://schemas.openxmlformats.org/drawingml/2006/diagram" xmlns:o="urn:schemas-microsoft-com:office:office" xmlns:v="urn:schemas-microsoft-com:vml" xmlns:pvml="urn:schemas-microsoft-com:office:powerpoint" xmlns:com="http://schemas.openxmlformats.org/drawingml/2006/compatibility" xmlns:p14="http://schemas.microsoft.com/office/powerpoint/2010/main" xmlns:p15="http://schemas.microsoft.com/office/powerpoint/2012/main" xmlns:ahyp="http://schemas.microsoft.com/office/drawing/2018/hyperlinkcolor" showMasterPhAnim="0" showMasterSp="0">
   <p:cSld>
     <p:spTree>
       <p:nvGrpSpPr>
@@ -2135,7 +2135,7 @@
 </file>
 
 <file path=ppt/notesSlides/notesSlide22.xml><?xml version="1.0" encoding="utf-8"?>
-<p:notes xmlns:a="http://schemas.openxmlformats.org/drawingml/2006/main" xmlns:r="http://schemas.openxmlformats.org/officeDocument/2006/relationships" xmlns:mc="http://schemas.openxmlformats.org/markup-compatibility/2006" xmlns:mv="urn:schemas-microsoft-com:mac:vml" xmlns:p="http://schemas.openxmlformats.org/presentationml/2006/main" xmlns:c="http://schemas.openxmlformats.org/drawingml/2006/chart" xmlns:dgm="http://schemas.openxmlformats.org/drawingml/2006/diagram" xmlns:o="urn:schemas-microsoft-com:office:office" xmlns:v="urn:schemas-microsoft-com:vml" xmlns:pvml="urn:schemas-microsoft-com:office:powerpoint" xmlns:com="http://schemas.openxmlformats.org/drawingml/2006/compatibility" xmlns:p14="http://schemas.microsoft.com/office/powerpoint/2010/main" xmlns:p15="http://schemas.microsoft.com/office/powerpoint/2012/main" showMasterPhAnim="0" showMasterSp="0">
+<p:notes xmlns:a="http://schemas.openxmlformats.org/drawingml/2006/main" xmlns:r="http://schemas.openxmlformats.org/officeDocument/2006/relationships" xmlns:mc="http://schemas.openxmlformats.org/markup-compatibility/2006" xmlns:mv="urn:schemas-microsoft-com:mac:vml" xmlns:p="http://schemas.openxmlformats.org/presentationml/2006/main" xmlns:c="http://schemas.openxmlformats.org/drawingml/2006/chart" xmlns:dgm="http://schemas.openxmlformats.org/drawingml/2006/diagram" xmlns:o="urn:schemas-microsoft-com:office:office" xmlns:v="urn:schemas-microsoft-com:vml" xmlns:pvml="urn:schemas-microsoft-com:office:powerpoint" xmlns:com="http://schemas.openxmlformats.org/drawingml/2006/compatibility" xmlns:p14="http://schemas.microsoft.com/office/powerpoint/2010/main" xmlns:p15="http://schemas.microsoft.com/office/powerpoint/2012/main" xmlns:ahyp="http://schemas.microsoft.com/office/drawing/2018/hyperlinkcolor" showMasterPhAnim="0" showMasterSp="0">
   <p:cSld>
     <p:spTree>
       <p:nvGrpSpPr>
@@ -2234,7 +2234,7 @@
 </file>
 
 <file path=ppt/notesSlides/notesSlide23.xml><?xml version="1.0" encoding="utf-8"?>
-<p:notes xmlns:a="http://schemas.openxmlformats.org/drawingml/2006/main" xmlns:r="http://schemas.openxmlformats.org/officeDocument/2006/relationships" xmlns:mc="http://schemas.openxmlformats.org/markup-compatibility/2006" xmlns:mv="urn:schemas-microsoft-com:mac:vml" xmlns:p="http://schemas.openxmlformats.org/presentationml/2006/main" xmlns:c="http://schemas.openxmlformats.org/drawingml/2006/chart" xmlns:dgm="http://schemas.openxmlformats.org/drawingml/2006/diagram" xmlns:o="urn:schemas-microsoft-com:office:office" xmlns:v="urn:schemas-microsoft-com:vml" xmlns:pvml="urn:schemas-microsoft-com:office:powerpoint" xmlns:com="http://schemas.openxmlformats.org/drawingml/2006/compatibility" xmlns:p14="http://schemas.microsoft.com/office/powerpoint/2010/main" xmlns:p15="http://schemas.microsoft.com/office/powerpoint/2012/main" showMasterPhAnim="0" showMasterSp="0">
+<p:notes xmlns:a="http://schemas.openxmlformats.org/drawingml/2006/main" xmlns:r="http://schemas.openxmlformats.org/officeDocument/2006/relationships" xmlns:mc="http://schemas.openxmlformats.org/markup-compatibility/2006" xmlns:mv="urn:schemas-microsoft-com:mac:vml" xmlns:p="http://schemas.openxmlformats.org/presentationml/2006/main" xmlns:c="http://schemas.openxmlformats.org/drawingml/2006/chart" xmlns:dgm="http://schemas.openxmlformats.org/drawingml/2006/diagram" xmlns:o="urn:schemas-microsoft-com:office:office" xmlns:v="urn:schemas-microsoft-com:vml" xmlns:pvml="urn:schemas-microsoft-com:office:powerpoint" xmlns:com="http://schemas.openxmlformats.org/drawingml/2006/compatibility" xmlns:p14="http://schemas.microsoft.com/office/powerpoint/2010/main" xmlns:p15="http://schemas.microsoft.com/office/powerpoint/2012/main" xmlns:ahyp="http://schemas.microsoft.com/office/drawing/2018/hyperlinkcolor" showMasterPhAnim="0" showMasterSp="0">
   <p:cSld>
     <p:spTree>
       <p:nvGrpSpPr>
@@ -2333,7 +2333,7 @@
 </file>
 
 <file path=ppt/notesSlides/notesSlide24.xml><?xml version="1.0" encoding="utf-8"?>
-<p:notes xmlns:a="http://schemas.openxmlformats.org/drawingml/2006/main" xmlns:r="http://schemas.openxmlformats.org/officeDocument/2006/relationships" xmlns:mc="http://schemas.openxmlformats.org/markup-compatibility/2006" xmlns:mv="urn:schemas-microsoft-com:mac:vml" xmlns:p="http://schemas.openxmlformats.org/presentationml/2006/main" xmlns:c="http://schemas.openxmlformats.org/drawingml/2006/chart" xmlns:dgm="http://schemas.openxmlformats.org/drawingml/2006/diagram" xmlns:o="urn:schemas-microsoft-com:office:office" xmlns:v="urn:schemas-microsoft-com:vml" xmlns:pvml="urn:schemas-microsoft-com:office:powerpoint" xmlns:com="http://schemas.openxmlformats.org/drawingml/2006/compatibility" xmlns:p14="http://schemas.microsoft.com/office/powerpoint/2010/main" xmlns:p15="http://schemas.microsoft.com/office/powerpoint/2012/main" showMasterPhAnim="0" showMasterSp="0">
+<p:notes xmlns:a="http://schemas.openxmlformats.org/drawingml/2006/main" xmlns:r="http://schemas.openxmlformats.org/officeDocument/2006/relationships" xmlns:mc="http://schemas.openxmlformats.org/markup-compatibility/2006" xmlns:mv="urn:schemas-microsoft-com:mac:vml" xmlns:p="http://schemas.openxmlformats.org/presentationml/2006/main" xmlns:c="http://schemas.openxmlformats.org/drawingml/2006/chart" xmlns:dgm="http://schemas.openxmlformats.org/drawingml/2006/diagram" xmlns:o="urn:schemas-microsoft-com:office:office" xmlns:v="urn:schemas-microsoft-com:vml" xmlns:pvml="urn:schemas-microsoft-com:office:powerpoint" xmlns:com="http://schemas.openxmlformats.org/drawingml/2006/compatibility" xmlns:p14="http://schemas.microsoft.com/office/powerpoint/2010/main" xmlns:p15="http://schemas.microsoft.com/office/powerpoint/2012/main" xmlns:ahyp="http://schemas.microsoft.com/office/drawing/2018/hyperlinkcolor" showMasterPhAnim="0" showMasterSp="0">
   <p:cSld>
     <p:spTree>
       <p:nvGrpSpPr>
@@ -2432,7 +2432,7 @@
 </file>
 
 <file path=ppt/notesSlides/notesSlide25.xml><?xml version="1.0" encoding="utf-8"?>
-<p:notes xmlns:a="http://schemas.openxmlformats.org/drawingml/2006/main" xmlns:r="http://schemas.openxmlformats.org/officeDocument/2006/relationships" xmlns:mc="http://schemas.openxmlformats.org/markup-compatibility/2006" xmlns:mv="urn:schemas-microsoft-com:mac:vml" xmlns:p="http://schemas.openxmlformats.org/presentationml/2006/main" xmlns:c="http://schemas.openxmlformats.org/drawingml/2006/chart" xmlns:dgm="http://schemas.openxmlformats.org/drawingml/2006/diagram" xmlns:o="urn:schemas-microsoft-com:office:office" xmlns:v="urn:schemas-microsoft-com:vml" xmlns:pvml="urn:schemas-microsoft-com:office:powerpoint" xmlns:com="http://schemas.openxmlformats.org/drawingml/2006/compatibility" xmlns:p14="http://schemas.microsoft.com/office/powerpoint/2010/main" xmlns:p15="http://schemas.microsoft.com/office/powerpoint/2012/main" showMasterPhAnim="0" showMasterSp="0">
+<p:notes xmlns:a="http://schemas.openxmlformats.org/drawingml/2006/main" xmlns:r="http://schemas.openxmlformats.org/officeDocument/2006/relationships" xmlns:mc="http://schemas.openxmlformats.org/markup-compatibility/2006" xmlns:mv="urn:schemas-microsoft-com:mac:vml" xmlns:p="http://schemas.openxmlformats.org/presentationml/2006/main" xmlns:c="http://schemas.openxmlformats.org/drawingml/2006/chart" xmlns:dgm="http://schemas.openxmlformats.org/drawingml/2006/diagram" xmlns:o="urn:schemas-microsoft-com:office:office" xmlns:v="urn:schemas-microsoft-com:vml" xmlns:pvml="urn:schemas-microsoft-com:office:powerpoint" xmlns:com="http://schemas.openxmlformats.org/drawingml/2006/compatibility" xmlns:p14="http://schemas.microsoft.com/office/powerpoint/2010/main" xmlns:p15="http://schemas.microsoft.com/office/powerpoint/2012/main" xmlns:ahyp="http://schemas.microsoft.com/office/drawing/2018/hyperlinkcolor" showMasterPhAnim="0" showMasterSp="0">
   <p:cSld>
     <p:spTree>
       <p:nvGrpSpPr>
@@ -2531,7 +2531,7 @@
 </file>
 
 <file path=ppt/notesSlides/notesSlide26.xml><?xml version="1.0" encoding="utf-8"?>
-<p:notes xmlns:a="http://schemas.openxmlformats.org/drawingml/2006/main" xmlns:r="http://schemas.openxmlformats.org/officeDocument/2006/relationships" xmlns:mc="http://schemas.openxmlformats.org/markup-compatibility/2006" xmlns:mv="urn:schemas-microsoft-com:mac:vml" xmlns:p="http://schemas.openxmlformats.org/presentationml/2006/main" xmlns:c="http://schemas.openxmlformats.org/drawingml/2006/chart" xmlns:dgm="http://schemas.openxmlformats.org/drawingml/2006/diagram" xmlns:o="urn:schemas-microsoft-com:office:office" xmlns:v="urn:schemas-microsoft-com:vml" xmlns:pvml="urn:schemas-microsoft-com:office:powerpoint" xmlns:com="http://schemas.openxmlformats.org/drawingml/2006/compatibility" xmlns:p14="http://schemas.microsoft.com/office/powerpoint/2010/main" xmlns:p15="http://schemas.microsoft.com/office/powerpoint/2012/main" showMasterPhAnim="0" showMasterSp="0">
+<p:notes xmlns:a="http://schemas.openxmlformats.org/drawingml/2006/main" xmlns:r="http://schemas.openxmlformats.org/officeDocument/2006/relationships" xmlns:mc="http://schemas.openxmlformats.org/markup-compatibility/2006" xmlns:mv="urn:schemas-microsoft-com:mac:vml" xmlns:p="http://schemas.openxmlformats.org/presentationml/2006/main" xmlns:c="http://schemas.openxmlformats.org/drawingml/2006/chart" xmlns:dgm="http://schemas.openxmlformats.org/drawingml/2006/diagram" xmlns:o="urn:schemas-microsoft-com:office:office" xmlns:v="urn:schemas-microsoft-com:vml" xmlns:pvml="urn:schemas-microsoft-com:office:powerpoint" xmlns:com="http://schemas.openxmlformats.org/drawingml/2006/compatibility" xmlns:p14="http://schemas.microsoft.com/office/powerpoint/2010/main" xmlns:p15="http://schemas.microsoft.com/office/powerpoint/2012/main" xmlns:ahyp="http://schemas.microsoft.com/office/drawing/2018/hyperlinkcolor" showMasterPhAnim="0" showMasterSp="0">
   <p:cSld>
     <p:spTree>
       <p:nvGrpSpPr>
@@ -2630,7 +2630,7 @@
 </file>
 
 <file path=ppt/notesSlides/notesSlide27.xml><?xml version="1.0" encoding="utf-8"?>
-<p:notes xmlns:a="http://schemas.openxmlformats.org/drawingml/2006/main" xmlns:r="http://schemas.openxmlformats.org/officeDocument/2006/relationships" xmlns:mc="http://schemas.openxmlformats.org/markup-compatibility/2006" xmlns:mv="urn:schemas-microsoft-com:mac:vml" xmlns:p="http://schemas.openxmlformats.org/presentationml/2006/main" xmlns:c="http://schemas.openxmlformats.org/drawingml/2006/chart" xmlns:dgm="http://schemas.openxmlformats.org/drawingml/2006/diagram" xmlns:o="urn:schemas-microsoft-com:office:office" xmlns:v="urn:schemas-microsoft-com:vml" xmlns:pvml="urn:schemas-microsoft-com:office:powerpoint" xmlns:com="http://schemas.openxmlformats.org/drawingml/2006/compatibility" xmlns:p14="http://schemas.microsoft.com/office/powerpoint/2010/main" xmlns:p15="http://schemas.microsoft.com/office/powerpoint/2012/main" showMasterPhAnim="0" showMasterSp="0">
+<p:notes xmlns:a="http://schemas.openxmlformats.org/drawingml/2006/main" xmlns:r="http://schemas.openxmlformats.org/officeDocument/2006/relationships" xmlns:mc="http://schemas.openxmlformats.org/markup-compatibility/2006" xmlns:mv="urn:schemas-microsoft-com:mac:vml" xmlns:p="http://schemas.openxmlformats.org/presentationml/2006/main" xmlns:c="http://schemas.openxmlformats.org/drawingml/2006/chart" xmlns:dgm="http://schemas.openxmlformats.org/drawingml/2006/diagram" xmlns:o="urn:schemas-microsoft-com:office:office" xmlns:v="urn:schemas-microsoft-com:vml" xmlns:pvml="urn:schemas-microsoft-com:office:powerpoint" xmlns:com="http://schemas.openxmlformats.org/drawingml/2006/compatibility" xmlns:p14="http://schemas.microsoft.com/office/powerpoint/2010/main" xmlns:p15="http://schemas.microsoft.com/office/powerpoint/2012/main" xmlns:ahyp="http://schemas.microsoft.com/office/drawing/2018/hyperlinkcolor" showMasterPhAnim="0" showMasterSp="0">
   <p:cSld>
     <p:spTree>
       <p:nvGrpSpPr>
@@ -2729,7 +2729,7 @@
 </file>
 
 <file path=ppt/notesSlides/notesSlide3.xml><?xml version="1.0" encoding="utf-8"?>
-<p:notes xmlns:a="http://schemas.openxmlformats.org/drawingml/2006/main" xmlns:r="http://schemas.openxmlformats.org/officeDocument/2006/relationships" xmlns:mc="http://schemas.openxmlformats.org/markup-compatibility/2006" xmlns:mv="urn:schemas-microsoft-com:mac:vml" xmlns:p="http://schemas.openxmlformats.org/presentationml/2006/main" xmlns:c="http://schemas.openxmlformats.org/drawingml/2006/chart" xmlns:dgm="http://schemas.openxmlformats.org/drawingml/2006/diagram" xmlns:o="urn:schemas-microsoft-com:office:office" xmlns:v="urn:schemas-microsoft-com:vml" xmlns:pvml="urn:schemas-microsoft-com:office:powerpoint" xmlns:com="http://schemas.openxmlformats.org/drawingml/2006/compatibility" xmlns:p14="http://schemas.microsoft.com/office/powerpoint/2010/main" xmlns:p15="http://schemas.microsoft.com/office/powerpoint/2012/main" showMasterPhAnim="0" showMasterSp="0">
+<p:notes xmlns:a="http://schemas.openxmlformats.org/drawingml/2006/main" xmlns:r="http://schemas.openxmlformats.org/officeDocument/2006/relationships" xmlns:mc="http://schemas.openxmlformats.org/markup-compatibility/2006" xmlns:mv="urn:schemas-microsoft-com:mac:vml" xmlns:p="http://schemas.openxmlformats.org/presentationml/2006/main" xmlns:c="http://schemas.openxmlformats.org/drawingml/2006/chart" xmlns:dgm="http://schemas.openxmlformats.org/drawingml/2006/diagram" xmlns:o="urn:schemas-microsoft-com:office:office" xmlns:v="urn:schemas-microsoft-com:vml" xmlns:pvml="urn:schemas-microsoft-com:office:powerpoint" xmlns:com="http://schemas.openxmlformats.org/drawingml/2006/compatibility" xmlns:p14="http://schemas.microsoft.com/office/powerpoint/2010/main" xmlns:p15="http://schemas.microsoft.com/office/powerpoint/2012/main" xmlns:ahyp="http://schemas.microsoft.com/office/drawing/2018/hyperlinkcolor" showMasterPhAnim="0" showMasterSp="0">
   <p:cSld>
     <p:spTree>
       <p:nvGrpSpPr>
@@ -2828,7 +2828,7 @@
 </file>
 
 <file path=ppt/notesSlides/notesSlide4.xml><?xml version="1.0" encoding="utf-8"?>
-<p:notes xmlns:a="http://schemas.openxmlformats.org/drawingml/2006/main" xmlns:r="http://schemas.openxmlformats.org/officeDocument/2006/relationships" xmlns:mc="http://schemas.openxmlformats.org/markup-compatibility/2006" xmlns:mv="urn:schemas-microsoft-com:mac:vml" xmlns:p="http://schemas.openxmlformats.org/presentationml/2006/main" xmlns:c="http://schemas.openxmlformats.org/drawingml/2006/chart" xmlns:dgm="http://schemas.openxmlformats.org/drawingml/2006/diagram" xmlns:o="urn:schemas-microsoft-com:office:office" xmlns:v="urn:schemas-microsoft-com:vml" xmlns:pvml="urn:schemas-microsoft-com:office:powerpoint" xmlns:com="http://schemas.openxmlformats.org/drawingml/2006/compatibility" xmlns:p14="http://schemas.microsoft.com/office/powerpoint/2010/main" xmlns:p15="http://schemas.microsoft.com/office/powerpoint/2012/main" showMasterPhAnim="0" showMasterSp="0">
+<p:notes xmlns:a="http://schemas.openxmlformats.org/drawingml/2006/main" xmlns:r="http://schemas.openxmlformats.org/officeDocument/2006/relationships" xmlns:mc="http://schemas.openxmlformats.org/markup-compatibility/2006" xmlns:mv="urn:schemas-microsoft-com:mac:vml" xmlns:p="http://schemas.openxmlformats.org/presentationml/2006/main" xmlns:c="http://schemas.openxmlformats.org/drawingml/2006/chart" xmlns:dgm="http://schemas.openxmlformats.org/drawingml/2006/diagram" xmlns:o="urn:schemas-microsoft-com:office:office" xmlns:v="urn:schemas-microsoft-com:vml" xmlns:pvml="urn:schemas-microsoft-com:office:powerpoint" xmlns:com="http://schemas.openxmlformats.org/drawingml/2006/compatibility" xmlns:p14="http://schemas.microsoft.com/office/powerpoint/2010/main" xmlns:p15="http://schemas.microsoft.com/office/powerpoint/2012/main" xmlns:ahyp="http://schemas.microsoft.com/office/drawing/2018/hyperlinkcolor" showMasterPhAnim="0" showMasterSp="0">
   <p:cSld>
     <p:spTree>
       <p:nvGrpSpPr>
@@ -2945,7 +2945,7 @@
 </file>
 
 <file path=ppt/notesSlides/notesSlide5.xml><?xml version="1.0" encoding="utf-8"?>
-<p:notes xmlns:a="http://schemas.openxmlformats.org/drawingml/2006/main" xmlns:r="http://schemas.openxmlformats.org/officeDocument/2006/relationships" xmlns:mc="http://schemas.openxmlformats.org/markup-compatibility/2006" xmlns:mv="urn:schemas-microsoft-com:mac:vml" xmlns:p="http://schemas.openxmlformats.org/presentationml/2006/main" xmlns:c="http://schemas.openxmlformats.org/drawingml/2006/chart" xmlns:dgm="http://schemas.openxmlformats.org/drawingml/2006/diagram" xmlns:o="urn:schemas-microsoft-com:office:office" xmlns:v="urn:schemas-microsoft-com:vml" xmlns:pvml="urn:schemas-microsoft-com:office:powerpoint" xmlns:com="http://schemas.openxmlformats.org/drawingml/2006/compatibility" xmlns:p14="http://schemas.microsoft.com/office/powerpoint/2010/main" xmlns:p15="http://schemas.microsoft.com/office/powerpoint/2012/main" showMasterPhAnim="0" showMasterSp="0">
+<p:notes xmlns:a="http://schemas.openxmlformats.org/drawingml/2006/main" xmlns:r="http://schemas.openxmlformats.org/officeDocument/2006/relationships" xmlns:mc="http://schemas.openxmlformats.org/markup-compatibility/2006" xmlns:mv="urn:schemas-microsoft-com:mac:vml" xmlns:p="http://schemas.openxmlformats.org/presentationml/2006/main" xmlns:c="http://schemas.openxmlformats.org/drawingml/2006/chart" xmlns:dgm="http://schemas.openxmlformats.org/drawingml/2006/diagram" xmlns:o="urn:schemas-microsoft-com:office:office" xmlns:v="urn:schemas-microsoft-com:vml" xmlns:pvml="urn:schemas-microsoft-com:office:powerpoint" xmlns:com="http://schemas.openxmlformats.org/drawingml/2006/compatibility" xmlns:p14="http://schemas.microsoft.com/office/powerpoint/2010/main" xmlns:p15="http://schemas.microsoft.com/office/powerpoint/2012/main" xmlns:ahyp="http://schemas.microsoft.com/office/drawing/2018/hyperlinkcolor" showMasterPhAnim="0" showMasterSp="0">
   <p:cSld>
     <p:spTree>
       <p:nvGrpSpPr>
@@ -3062,7 +3062,7 @@
 </file>
 
 <file path=ppt/notesSlides/notesSlide6.xml><?xml version="1.0" encoding="utf-8"?>
-<p:notes xmlns:a="http://schemas.openxmlformats.org/drawingml/2006/main" xmlns:r="http://schemas.openxmlformats.org/officeDocument/2006/relationships" xmlns:mc="http://schemas.openxmlformats.org/markup-compatibility/2006" xmlns:mv="urn:schemas-microsoft-com:mac:vml" xmlns:p="http://schemas.openxmlformats.org/presentationml/2006/main" xmlns:c="http://schemas.openxmlformats.org/drawingml/2006/chart" xmlns:dgm="http://schemas.openxmlformats.org/drawingml/2006/diagram" xmlns:o="urn:schemas-microsoft-com:office:office" xmlns:v="urn:schemas-microsoft-com:vml" xmlns:pvml="urn:schemas-microsoft-com:office:powerpoint" xmlns:com="http://schemas.openxmlformats.org/drawingml/2006/compatibility" xmlns:p14="http://schemas.microsoft.com/office/powerpoint/2010/main" xmlns:p15="http://schemas.microsoft.com/office/powerpoint/2012/main" showMasterPhAnim="0" showMasterSp="0">
+<p:notes xmlns:a="http://schemas.openxmlformats.org/drawingml/2006/main" xmlns:r="http://schemas.openxmlformats.org/officeDocument/2006/relationships" xmlns:mc="http://schemas.openxmlformats.org/markup-compatibility/2006" xmlns:mv="urn:schemas-microsoft-com:mac:vml" xmlns:p="http://schemas.openxmlformats.org/presentationml/2006/main" xmlns:c="http://schemas.openxmlformats.org/drawingml/2006/chart" xmlns:dgm="http://schemas.openxmlformats.org/drawingml/2006/diagram" xmlns:o="urn:schemas-microsoft-com:office:office" xmlns:v="urn:schemas-microsoft-com:vml" xmlns:pvml="urn:schemas-microsoft-com:office:powerpoint" xmlns:com="http://schemas.openxmlformats.org/drawingml/2006/compatibility" xmlns:p14="http://schemas.microsoft.com/office/powerpoint/2010/main" xmlns:p15="http://schemas.microsoft.com/office/powerpoint/2012/main" xmlns:ahyp="http://schemas.microsoft.com/office/drawing/2018/hyperlinkcolor" showMasterPhAnim="0" showMasterSp="0">
   <p:cSld>
     <p:spTree>
       <p:nvGrpSpPr>
@@ -3179,7 +3179,7 @@
 </file>
 
 <file path=ppt/notesSlides/notesSlide7.xml><?xml version="1.0" encoding="utf-8"?>
-<p:notes xmlns:a="http://schemas.openxmlformats.org/drawingml/2006/main" xmlns:r="http://schemas.openxmlformats.org/officeDocument/2006/relationships" xmlns:mc="http://schemas.openxmlformats.org/markup-compatibility/2006" xmlns:mv="urn:schemas-microsoft-com:mac:vml" xmlns:p="http://schemas.openxmlformats.org/presentationml/2006/main" xmlns:c="http://schemas.openxmlformats.org/drawingml/2006/chart" xmlns:dgm="http://schemas.openxmlformats.org/drawingml/2006/diagram" xmlns:o="urn:schemas-microsoft-com:office:office" xmlns:v="urn:schemas-microsoft-com:vml" xmlns:pvml="urn:schemas-microsoft-com:office:powerpoint" xmlns:com="http://schemas.openxmlformats.org/drawingml/2006/compatibility" xmlns:p14="http://schemas.microsoft.com/office/powerpoint/2010/main" xmlns:p15="http://schemas.microsoft.com/office/powerpoint/2012/main" showMasterPhAnim="0" showMasterSp="0">
+<p:notes xmlns:a="http://schemas.openxmlformats.org/drawingml/2006/main" xmlns:r="http://schemas.openxmlformats.org/officeDocument/2006/relationships" xmlns:mc="http://schemas.openxmlformats.org/markup-compatibility/2006" xmlns:mv="urn:schemas-microsoft-com:mac:vml" xmlns:p="http://schemas.openxmlformats.org/presentationml/2006/main" xmlns:c="http://schemas.openxmlformats.org/drawingml/2006/chart" xmlns:dgm="http://schemas.openxmlformats.org/drawingml/2006/diagram" xmlns:o="urn:schemas-microsoft-com:office:office" xmlns:v="urn:schemas-microsoft-com:vml" xmlns:pvml="urn:schemas-microsoft-com:office:powerpoint" xmlns:com="http://schemas.openxmlformats.org/drawingml/2006/compatibility" xmlns:p14="http://schemas.microsoft.com/office/powerpoint/2010/main" xmlns:p15="http://schemas.microsoft.com/office/powerpoint/2012/main" xmlns:ahyp="http://schemas.microsoft.com/office/drawing/2018/hyperlinkcolor" showMasterPhAnim="0" showMasterSp="0">
   <p:cSld>
     <p:spTree>
       <p:nvGrpSpPr>
@@ -3296,7 +3296,7 @@
 </file>
 
 <file path=ppt/notesSlides/notesSlide8.xml><?xml version="1.0" encoding="utf-8"?>
-<p:notes xmlns:a="http://schemas.openxmlformats.org/drawingml/2006/main" xmlns:r="http://schemas.openxmlformats.org/officeDocument/2006/relationships" xmlns:mc="http://schemas.openxmlformats.org/markup-compatibility/2006" xmlns:mv="urn:schemas-microsoft-com:mac:vml" xmlns:p="http://schemas.openxmlformats.org/presentationml/2006/main" xmlns:c="http://schemas.openxmlformats.org/drawingml/2006/chart" xmlns:dgm="http://schemas.openxmlformats.org/drawingml/2006/diagram" xmlns:o="urn:schemas-microsoft-com:office:office" xmlns:v="urn:schemas-microsoft-com:vml" xmlns:pvml="urn:schemas-microsoft-com:office:powerpoint" xmlns:com="http://schemas.openxmlformats.org/drawingml/2006/compatibility" xmlns:p14="http://schemas.microsoft.com/office/powerpoint/2010/main" xmlns:p15="http://schemas.microsoft.com/office/powerpoint/2012/main" showMasterPhAnim="0" showMasterSp="0">
+<p:notes xmlns:a="http://schemas.openxmlformats.org/drawingml/2006/main" xmlns:r="http://schemas.openxmlformats.org/officeDocument/2006/relationships" xmlns:mc="http://schemas.openxmlformats.org/markup-compatibility/2006" xmlns:mv="urn:schemas-microsoft-com:mac:vml" xmlns:p="http://schemas.openxmlformats.org/presentationml/2006/main" xmlns:c="http://schemas.openxmlformats.org/drawingml/2006/chart" xmlns:dgm="http://schemas.openxmlformats.org/drawingml/2006/diagram" xmlns:o="urn:schemas-microsoft-com:office:office" xmlns:v="urn:schemas-microsoft-com:vml" xmlns:pvml="urn:schemas-microsoft-com:office:powerpoint" xmlns:com="http://schemas.openxmlformats.org/drawingml/2006/compatibility" xmlns:p14="http://schemas.microsoft.com/office/powerpoint/2010/main" xmlns:p15="http://schemas.microsoft.com/office/powerpoint/2012/main" xmlns:ahyp="http://schemas.microsoft.com/office/drawing/2018/hyperlinkcolor" showMasterPhAnim="0" showMasterSp="0">
   <p:cSld>
     <p:spTree>
       <p:nvGrpSpPr>
@@ -3413,7 +3413,7 @@
 </file>
 
 <file path=ppt/notesSlides/notesSlide9.xml><?xml version="1.0" encoding="utf-8"?>
-<p:notes xmlns:a="http://schemas.openxmlformats.org/drawingml/2006/main" xmlns:r="http://schemas.openxmlformats.org/officeDocument/2006/relationships" xmlns:mc="http://schemas.openxmlformats.org/markup-compatibility/2006" xmlns:mv="urn:schemas-microsoft-com:mac:vml" xmlns:p="http://schemas.openxmlformats.org/presentationml/2006/main" xmlns:c="http://schemas.openxmlformats.org/drawingml/2006/chart" xmlns:dgm="http://schemas.openxmlformats.org/drawingml/2006/diagram" xmlns:o="urn:schemas-microsoft-com:office:office" xmlns:v="urn:schemas-microsoft-com:vml" xmlns:pvml="urn:schemas-microsoft-com:office:powerpoint" xmlns:com="http://schemas.openxmlformats.org/drawingml/2006/compatibility" xmlns:p14="http://schemas.microsoft.com/office/powerpoint/2010/main" xmlns:p15="http://schemas.microsoft.com/office/powerpoint/2012/main" showMasterPhAnim="0" showMasterSp="0">
+<p:notes xmlns:a="http://schemas.openxmlformats.org/drawingml/2006/main" xmlns:r="http://schemas.openxmlformats.org/officeDocument/2006/relationships" xmlns:mc="http://schemas.openxmlformats.org/markup-compatibility/2006" xmlns:mv="urn:schemas-microsoft-com:mac:vml" xmlns:p="http://schemas.openxmlformats.org/presentationml/2006/main" xmlns:c="http://schemas.openxmlformats.org/drawingml/2006/chart" xmlns:dgm="http://schemas.openxmlformats.org/drawingml/2006/diagram" xmlns:o="urn:schemas-microsoft-com:office:office" xmlns:v="urn:schemas-microsoft-com:vml" xmlns:pvml="urn:schemas-microsoft-com:office:powerpoint" xmlns:com="http://schemas.openxmlformats.org/drawingml/2006/compatibility" xmlns:p14="http://schemas.microsoft.com/office/powerpoint/2010/main" xmlns:p15="http://schemas.microsoft.com/office/powerpoint/2012/main" xmlns:ahyp="http://schemas.microsoft.com/office/drawing/2018/hyperlinkcolor" showMasterPhAnim="0" showMasterSp="0">
   <p:cSld>
     <p:spTree>
       <p:nvGrpSpPr>
@@ -3530,7 +3530,7 @@
 </file>
 
 <file path=ppt/slideLayouts/slideLayout1.xml><?xml version="1.0" encoding="utf-8"?>
-<p:sldLayout xmlns:a="http://schemas.openxmlformats.org/drawingml/2006/main" xmlns:r="http://schemas.openxmlformats.org/officeDocument/2006/relationships" xmlns:mc="http://schemas.openxmlformats.org/markup-compatibility/2006" xmlns:mv="urn:schemas-microsoft-com:mac:vml" xmlns:p="http://schemas.openxmlformats.org/presentationml/2006/main" xmlns:c="http://schemas.openxmlformats.org/drawingml/2006/chart" xmlns:dgm="http://schemas.openxmlformats.org/drawingml/2006/diagram" xmlns:o="urn:schemas-microsoft-com:office:office" xmlns:v="urn:schemas-microsoft-com:vml" xmlns:pvml="urn:schemas-microsoft-com:office:powerpoint" xmlns:com="http://schemas.openxmlformats.org/drawingml/2006/compatibility" xmlns:p14="http://schemas.microsoft.com/office/powerpoint/2010/main" xmlns:p15="http://schemas.microsoft.com/office/powerpoint/2012/main" matchingName="Title slide" type="title">
+<p:sldLayout xmlns:a="http://schemas.openxmlformats.org/drawingml/2006/main" xmlns:r="http://schemas.openxmlformats.org/officeDocument/2006/relationships" xmlns:mc="http://schemas.openxmlformats.org/markup-compatibility/2006" xmlns:mv="urn:schemas-microsoft-com:mac:vml" xmlns:p="http://schemas.openxmlformats.org/presentationml/2006/main" xmlns:c="http://schemas.openxmlformats.org/drawingml/2006/chart" xmlns:dgm="http://schemas.openxmlformats.org/drawingml/2006/diagram" xmlns:o="urn:schemas-microsoft-com:office:office" xmlns:v="urn:schemas-microsoft-com:vml" xmlns:pvml="urn:schemas-microsoft-com:office:powerpoint" xmlns:com="http://schemas.openxmlformats.org/drawingml/2006/compatibility" xmlns:p14="http://schemas.microsoft.com/office/powerpoint/2010/main" xmlns:p15="http://schemas.microsoft.com/office/powerpoint/2012/main" xmlns:ahyp="http://schemas.microsoft.com/office/drawing/2018/hyperlinkcolor" matchingName="Title slide" type="title">
   <p:cSld name="TITLE">
     <p:spTree>
       <p:nvGrpSpPr>
@@ -3909,7 +3909,7 @@
 </file>
 
 <file path=ppt/slideLayouts/slideLayout10.xml><?xml version="1.0" encoding="utf-8"?>
-<p:sldLayout xmlns:a="http://schemas.openxmlformats.org/drawingml/2006/main" xmlns:r="http://schemas.openxmlformats.org/officeDocument/2006/relationships" xmlns:mc="http://schemas.openxmlformats.org/markup-compatibility/2006" xmlns:mv="urn:schemas-microsoft-com:mac:vml" xmlns:p="http://schemas.openxmlformats.org/presentationml/2006/main" xmlns:c="http://schemas.openxmlformats.org/drawingml/2006/chart" xmlns:dgm="http://schemas.openxmlformats.org/drawingml/2006/diagram" xmlns:o="urn:schemas-microsoft-com:office:office" xmlns:v="urn:schemas-microsoft-com:vml" xmlns:pvml="urn:schemas-microsoft-com:office:powerpoint" xmlns:com="http://schemas.openxmlformats.org/drawingml/2006/compatibility" xmlns:p14="http://schemas.microsoft.com/office/powerpoint/2010/main" xmlns:p15="http://schemas.microsoft.com/office/powerpoint/2012/main" matchingName="Big number">
+<p:sldLayout xmlns:a="http://schemas.openxmlformats.org/drawingml/2006/main" xmlns:r="http://schemas.openxmlformats.org/officeDocument/2006/relationships" xmlns:mc="http://schemas.openxmlformats.org/markup-compatibility/2006" xmlns:mv="urn:schemas-microsoft-com:mac:vml" xmlns:p="http://schemas.openxmlformats.org/presentationml/2006/main" xmlns:c="http://schemas.openxmlformats.org/drawingml/2006/chart" xmlns:dgm="http://schemas.openxmlformats.org/drawingml/2006/diagram" xmlns:o="urn:schemas-microsoft-com:office:office" xmlns:v="urn:schemas-microsoft-com:vml" xmlns:pvml="urn:schemas-microsoft-com:office:powerpoint" xmlns:com="http://schemas.openxmlformats.org/drawingml/2006/compatibility" xmlns:p14="http://schemas.microsoft.com/office/powerpoint/2010/main" xmlns:p15="http://schemas.microsoft.com/office/powerpoint/2012/main" xmlns:ahyp="http://schemas.microsoft.com/office/drawing/2018/hyperlinkcolor" matchingName="Big number">
   <p:cSld name="BIG_NUMBER">
     <p:spTree>
       <p:nvGrpSpPr>
@@ -4265,7 +4265,7 @@
 </file>
 
 <file path=ppt/slideLayouts/slideLayout11.xml><?xml version="1.0" encoding="utf-8"?>
-<p:sldLayout xmlns:a="http://schemas.openxmlformats.org/drawingml/2006/main" xmlns:r="http://schemas.openxmlformats.org/officeDocument/2006/relationships" xmlns:mc="http://schemas.openxmlformats.org/markup-compatibility/2006" xmlns:mv="urn:schemas-microsoft-com:mac:vml" xmlns:p="http://schemas.openxmlformats.org/presentationml/2006/main" xmlns:c="http://schemas.openxmlformats.org/drawingml/2006/chart" xmlns:dgm="http://schemas.openxmlformats.org/drawingml/2006/diagram" xmlns:o="urn:schemas-microsoft-com:office:office" xmlns:v="urn:schemas-microsoft-com:vml" xmlns:pvml="urn:schemas-microsoft-com:office:powerpoint" xmlns:com="http://schemas.openxmlformats.org/drawingml/2006/compatibility" xmlns:p14="http://schemas.microsoft.com/office/powerpoint/2010/main" xmlns:p15="http://schemas.microsoft.com/office/powerpoint/2012/main" matchingName="Blank" type="blank">
+<p:sldLayout xmlns:a="http://schemas.openxmlformats.org/drawingml/2006/main" xmlns:r="http://schemas.openxmlformats.org/officeDocument/2006/relationships" xmlns:mc="http://schemas.openxmlformats.org/markup-compatibility/2006" xmlns:mv="urn:schemas-microsoft-com:mac:vml" xmlns:p="http://schemas.openxmlformats.org/presentationml/2006/main" xmlns:c="http://schemas.openxmlformats.org/drawingml/2006/chart" xmlns:dgm="http://schemas.openxmlformats.org/drawingml/2006/diagram" xmlns:o="urn:schemas-microsoft-com:office:office" xmlns:v="urn:schemas-microsoft-com:vml" xmlns:pvml="urn:schemas-microsoft-com:office:powerpoint" xmlns:com="http://schemas.openxmlformats.org/drawingml/2006/compatibility" xmlns:p14="http://schemas.microsoft.com/office/powerpoint/2010/main" xmlns:p15="http://schemas.microsoft.com/office/powerpoint/2012/main" xmlns:ahyp="http://schemas.microsoft.com/office/drawing/2018/hyperlinkcolor" matchingName="Blank" type="blank">
   <p:cSld name="BLANK">
     <p:spTree>
       <p:nvGrpSpPr>
@@ -4367,7 +4367,7 @@
 </file>
 
 <file path=ppt/slideLayouts/slideLayout2.xml><?xml version="1.0" encoding="utf-8"?>
-<p:sldLayout xmlns:a="http://schemas.openxmlformats.org/drawingml/2006/main" xmlns:r="http://schemas.openxmlformats.org/officeDocument/2006/relationships" xmlns:mc="http://schemas.openxmlformats.org/markup-compatibility/2006" xmlns:mv="urn:schemas-microsoft-com:mac:vml" xmlns:p="http://schemas.openxmlformats.org/presentationml/2006/main" xmlns:c="http://schemas.openxmlformats.org/drawingml/2006/chart" xmlns:dgm="http://schemas.openxmlformats.org/drawingml/2006/diagram" xmlns:o="urn:schemas-microsoft-com:office:office" xmlns:v="urn:schemas-microsoft-com:vml" xmlns:pvml="urn:schemas-microsoft-com:office:powerpoint" xmlns:com="http://schemas.openxmlformats.org/drawingml/2006/compatibility" xmlns:p14="http://schemas.microsoft.com/office/powerpoint/2010/main" xmlns:p15="http://schemas.microsoft.com/office/powerpoint/2012/main" matchingName="Section header" type="secHead">
+<p:sldLayout xmlns:a="http://schemas.openxmlformats.org/drawingml/2006/main" xmlns:r="http://schemas.openxmlformats.org/officeDocument/2006/relationships" xmlns:mc="http://schemas.openxmlformats.org/markup-compatibility/2006" xmlns:mv="urn:schemas-microsoft-com:mac:vml" xmlns:p="http://schemas.openxmlformats.org/presentationml/2006/main" xmlns:c="http://schemas.openxmlformats.org/drawingml/2006/chart" xmlns:dgm="http://schemas.openxmlformats.org/drawingml/2006/diagram" xmlns:o="urn:schemas-microsoft-com:office:office" xmlns:v="urn:schemas-microsoft-com:vml" xmlns:pvml="urn:schemas-microsoft-com:office:powerpoint" xmlns:com="http://schemas.openxmlformats.org/drawingml/2006/compatibility" xmlns:p14="http://schemas.microsoft.com/office/powerpoint/2010/main" xmlns:p15="http://schemas.microsoft.com/office/powerpoint/2012/main" xmlns:ahyp="http://schemas.microsoft.com/office/drawing/2018/hyperlinkcolor" matchingName="Section header" type="secHead">
   <p:cSld name="SECTION_HEADER">
     <p:spTree>
       <p:nvGrpSpPr>
@@ -4594,7 +4594,7 @@
 </file>
 
 <file path=ppt/slideLayouts/slideLayout3.xml><?xml version="1.0" encoding="utf-8"?>
-<p:sldLayout xmlns:a="http://schemas.openxmlformats.org/drawingml/2006/main" xmlns:r="http://schemas.openxmlformats.org/officeDocument/2006/relationships" xmlns:mc="http://schemas.openxmlformats.org/markup-compatibility/2006" xmlns:mv="urn:schemas-microsoft-com:mac:vml" xmlns:p="http://schemas.openxmlformats.org/presentationml/2006/main" xmlns:c="http://schemas.openxmlformats.org/drawingml/2006/chart" xmlns:dgm="http://schemas.openxmlformats.org/drawingml/2006/diagram" xmlns:o="urn:schemas-microsoft-com:office:office" xmlns:v="urn:schemas-microsoft-com:vml" xmlns:pvml="urn:schemas-microsoft-com:office:powerpoint" xmlns:com="http://schemas.openxmlformats.org/drawingml/2006/compatibility" xmlns:p14="http://schemas.microsoft.com/office/powerpoint/2010/main" xmlns:p15="http://schemas.microsoft.com/office/powerpoint/2012/main" matchingName="Title and body" type="tx">
+<p:sldLayout xmlns:a="http://schemas.openxmlformats.org/drawingml/2006/main" xmlns:r="http://schemas.openxmlformats.org/officeDocument/2006/relationships" xmlns:mc="http://schemas.openxmlformats.org/markup-compatibility/2006" xmlns:mv="urn:schemas-microsoft-com:mac:vml" xmlns:p="http://schemas.openxmlformats.org/presentationml/2006/main" xmlns:c="http://schemas.openxmlformats.org/drawingml/2006/chart" xmlns:dgm="http://schemas.openxmlformats.org/drawingml/2006/diagram" xmlns:o="urn:schemas-microsoft-com:office:office" xmlns:v="urn:schemas-microsoft-com:vml" xmlns:pvml="urn:schemas-microsoft-com:office:powerpoint" xmlns:com="http://schemas.openxmlformats.org/drawingml/2006/compatibility" xmlns:p14="http://schemas.microsoft.com/office/powerpoint/2010/main" xmlns:p15="http://schemas.microsoft.com/office/powerpoint/2012/main" xmlns:ahyp="http://schemas.microsoft.com/office/drawing/2018/hyperlinkcolor" matchingName="Title and body" type="tx">
   <p:cSld name="TITLE_AND_BODY">
     <p:spTree>
       <p:nvGrpSpPr>
@@ -4946,7 +4946,7 @@
 </file>
 
 <file path=ppt/slideLayouts/slideLayout4.xml><?xml version="1.0" encoding="utf-8"?>
-<p:sldLayout xmlns:a="http://schemas.openxmlformats.org/drawingml/2006/main" xmlns:r="http://schemas.openxmlformats.org/officeDocument/2006/relationships" xmlns:mc="http://schemas.openxmlformats.org/markup-compatibility/2006" xmlns:mv="urn:schemas-microsoft-com:mac:vml" xmlns:p="http://schemas.openxmlformats.org/presentationml/2006/main" xmlns:c="http://schemas.openxmlformats.org/drawingml/2006/chart" xmlns:dgm="http://schemas.openxmlformats.org/drawingml/2006/diagram" xmlns:o="urn:schemas-microsoft-com:office:office" xmlns:v="urn:schemas-microsoft-com:vml" xmlns:pvml="urn:schemas-microsoft-com:office:powerpoint" xmlns:com="http://schemas.openxmlformats.org/drawingml/2006/compatibility" xmlns:p14="http://schemas.microsoft.com/office/powerpoint/2010/main" xmlns:p15="http://schemas.microsoft.com/office/powerpoint/2012/main" matchingName="Title and two columns" type="twoColTx">
+<p:sldLayout xmlns:a="http://schemas.openxmlformats.org/drawingml/2006/main" xmlns:r="http://schemas.openxmlformats.org/officeDocument/2006/relationships" xmlns:mc="http://schemas.openxmlformats.org/markup-compatibility/2006" xmlns:mv="urn:schemas-microsoft-com:mac:vml" xmlns:p="http://schemas.openxmlformats.org/presentationml/2006/main" xmlns:c="http://schemas.openxmlformats.org/drawingml/2006/chart" xmlns:dgm="http://schemas.openxmlformats.org/drawingml/2006/diagram" xmlns:o="urn:schemas-microsoft-com:office:office" xmlns:v="urn:schemas-microsoft-com:vml" xmlns:pvml="urn:schemas-microsoft-com:office:powerpoint" xmlns:com="http://schemas.openxmlformats.org/drawingml/2006/compatibility" xmlns:p14="http://schemas.microsoft.com/office/powerpoint/2010/main" xmlns:p15="http://schemas.microsoft.com/office/powerpoint/2012/main" xmlns:ahyp="http://schemas.microsoft.com/office/drawing/2018/hyperlinkcolor" matchingName="Title and two columns" type="twoColTx">
   <p:cSld name="TITLE_AND_TWO_COLUMNS">
     <p:spTree>
       <p:nvGrpSpPr>
@@ -5423,7 +5423,7 @@
 </file>
 
 <file path=ppt/slideLayouts/slideLayout5.xml><?xml version="1.0" encoding="utf-8"?>
-<p:sldLayout xmlns:a="http://schemas.openxmlformats.org/drawingml/2006/main" xmlns:r="http://schemas.openxmlformats.org/officeDocument/2006/relationships" xmlns:mc="http://schemas.openxmlformats.org/markup-compatibility/2006" xmlns:mv="urn:schemas-microsoft-com:mac:vml" xmlns:p="http://schemas.openxmlformats.org/presentationml/2006/main" xmlns:c="http://schemas.openxmlformats.org/drawingml/2006/chart" xmlns:dgm="http://schemas.openxmlformats.org/drawingml/2006/diagram" xmlns:o="urn:schemas-microsoft-com:office:office" xmlns:v="urn:schemas-microsoft-com:vml" xmlns:pvml="urn:schemas-microsoft-com:office:powerpoint" xmlns:com="http://schemas.openxmlformats.org/drawingml/2006/compatibility" xmlns:p14="http://schemas.microsoft.com/office/powerpoint/2010/main" xmlns:p15="http://schemas.microsoft.com/office/powerpoint/2012/main" matchingName="Title only" type="titleOnly">
+<p:sldLayout xmlns:a="http://schemas.openxmlformats.org/drawingml/2006/main" xmlns:r="http://schemas.openxmlformats.org/officeDocument/2006/relationships" xmlns:mc="http://schemas.openxmlformats.org/markup-compatibility/2006" xmlns:mv="urn:schemas-microsoft-com:mac:vml" xmlns:p="http://schemas.openxmlformats.org/presentationml/2006/main" xmlns:c="http://schemas.openxmlformats.org/drawingml/2006/chart" xmlns:dgm="http://schemas.openxmlformats.org/drawingml/2006/diagram" xmlns:o="urn:schemas-microsoft-com:office:office" xmlns:v="urn:schemas-microsoft-com:vml" xmlns:pvml="urn:schemas-microsoft-com:office:powerpoint" xmlns:com="http://schemas.openxmlformats.org/drawingml/2006/compatibility" xmlns:p14="http://schemas.microsoft.com/office/powerpoint/2010/main" xmlns:p15="http://schemas.microsoft.com/office/powerpoint/2012/main" xmlns:ahyp="http://schemas.microsoft.com/office/drawing/2018/hyperlinkcolor" matchingName="Title only" type="titleOnly">
   <p:cSld name="TITLE_ONLY">
     <p:spTree>
       <p:nvGrpSpPr>
@@ -5650,7 +5650,7 @@
 </file>
 
 <file path=ppt/slideLayouts/slideLayout6.xml><?xml version="1.0" encoding="utf-8"?>
-<p:sldLayout xmlns:a="http://schemas.openxmlformats.org/drawingml/2006/main" xmlns:r="http://schemas.openxmlformats.org/officeDocument/2006/relationships" xmlns:mc="http://schemas.openxmlformats.org/markup-compatibility/2006" xmlns:mv="urn:schemas-microsoft-com:mac:vml" xmlns:p="http://schemas.openxmlformats.org/presentationml/2006/main" xmlns:c="http://schemas.openxmlformats.org/drawingml/2006/chart" xmlns:dgm="http://schemas.openxmlformats.org/drawingml/2006/diagram" xmlns:o="urn:schemas-microsoft-com:office:office" xmlns:v="urn:schemas-microsoft-com:vml" xmlns:pvml="urn:schemas-microsoft-com:office:powerpoint" xmlns:com="http://schemas.openxmlformats.org/drawingml/2006/compatibility" xmlns:p14="http://schemas.microsoft.com/office/powerpoint/2010/main" xmlns:p15="http://schemas.microsoft.com/office/powerpoint/2012/main" matchingName="One column text">
+<p:sldLayout xmlns:a="http://schemas.openxmlformats.org/drawingml/2006/main" xmlns:r="http://schemas.openxmlformats.org/officeDocument/2006/relationships" xmlns:mc="http://schemas.openxmlformats.org/markup-compatibility/2006" xmlns:mv="urn:schemas-microsoft-com:mac:vml" xmlns:p="http://schemas.openxmlformats.org/presentationml/2006/main" xmlns:c="http://schemas.openxmlformats.org/drawingml/2006/chart" xmlns:dgm="http://schemas.openxmlformats.org/drawingml/2006/diagram" xmlns:o="urn:schemas-microsoft-com:office:office" xmlns:v="urn:schemas-microsoft-com:vml" xmlns:pvml="urn:schemas-microsoft-com:office:powerpoint" xmlns:com="http://schemas.openxmlformats.org/drawingml/2006/compatibility" xmlns:p14="http://schemas.microsoft.com/office/powerpoint/2010/main" xmlns:p15="http://schemas.microsoft.com/office/powerpoint/2012/main" xmlns:ahyp="http://schemas.microsoft.com/office/drawing/2018/hyperlinkcolor" matchingName="One column text">
   <p:cSld name="ONE_COLUMN_TEXT">
     <p:spTree>
       <p:nvGrpSpPr>
@@ -6002,7 +6002,7 @@
 </file>
 
 <file path=ppt/slideLayouts/slideLayout7.xml><?xml version="1.0" encoding="utf-8"?>
-<p:sldLayout xmlns:a="http://schemas.openxmlformats.org/drawingml/2006/main" xmlns:r="http://schemas.openxmlformats.org/officeDocument/2006/relationships" xmlns:mc="http://schemas.openxmlformats.org/markup-compatibility/2006" xmlns:mv="urn:schemas-microsoft-com:mac:vml" xmlns:p="http://schemas.openxmlformats.org/presentationml/2006/main" xmlns:c="http://schemas.openxmlformats.org/drawingml/2006/chart" xmlns:dgm="http://schemas.openxmlformats.org/drawingml/2006/diagram" xmlns:o="urn:schemas-microsoft-com:office:office" xmlns:v="urn:schemas-microsoft-com:vml" xmlns:pvml="urn:schemas-microsoft-com:office:powerpoint" xmlns:com="http://schemas.openxmlformats.org/drawingml/2006/compatibility" xmlns:p14="http://schemas.microsoft.com/office/powerpoint/2010/main" xmlns:p15="http://schemas.microsoft.com/office/powerpoint/2012/main" matchingName="Main point">
+<p:sldLayout xmlns:a="http://schemas.openxmlformats.org/drawingml/2006/main" xmlns:r="http://schemas.openxmlformats.org/officeDocument/2006/relationships" xmlns:mc="http://schemas.openxmlformats.org/markup-compatibility/2006" xmlns:mv="urn:schemas-microsoft-com:mac:vml" xmlns:p="http://schemas.openxmlformats.org/presentationml/2006/main" xmlns:c="http://schemas.openxmlformats.org/drawingml/2006/chart" xmlns:dgm="http://schemas.openxmlformats.org/drawingml/2006/diagram" xmlns:o="urn:schemas-microsoft-com:office:office" xmlns:v="urn:schemas-microsoft-com:vml" xmlns:pvml="urn:schemas-microsoft-com:office:powerpoint" xmlns:com="http://schemas.openxmlformats.org/drawingml/2006/compatibility" xmlns:p14="http://schemas.microsoft.com/office/powerpoint/2010/main" xmlns:p15="http://schemas.microsoft.com/office/powerpoint/2012/main" xmlns:ahyp="http://schemas.microsoft.com/office/drawing/2018/hyperlinkcolor" matchingName="Main point">
   <p:cSld name="MAIN_POINT">
     <p:spTree>
       <p:nvGrpSpPr>
@@ -6229,7 +6229,7 @@
 </file>
 
 <file path=ppt/slideLayouts/slideLayout8.xml><?xml version="1.0" encoding="utf-8"?>
-<p:sldLayout xmlns:a="http://schemas.openxmlformats.org/drawingml/2006/main" xmlns:r="http://schemas.openxmlformats.org/officeDocument/2006/relationships" xmlns:mc="http://schemas.openxmlformats.org/markup-compatibility/2006" xmlns:mv="urn:schemas-microsoft-com:mac:vml" xmlns:p="http://schemas.openxmlformats.org/presentationml/2006/main" xmlns:c="http://schemas.openxmlformats.org/drawingml/2006/chart" xmlns:dgm="http://schemas.openxmlformats.org/drawingml/2006/diagram" xmlns:o="urn:schemas-microsoft-com:office:office" xmlns:v="urn:schemas-microsoft-com:vml" xmlns:pvml="urn:schemas-microsoft-com:office:powerpoint" xmlns:com="http://schemas.openxmlformats.org/drawingml/2006/compatibility" xmlns:p14="http://schemas.microsoft.com/office/powerpoint/2010/main" xmlns:p15="http://schemas.microsoft.com/office/powerpoint/2012/main" matchingName="Section title and description">
+<p:sldLayout xmlns:a="http://schemas.openxmlformats.org/drawingml/2006/main" xmlns:r="http://schemas.openxmlformats.org/officeDocument/2006/relationships" xmlns:mc="http://schemas.openxmlformats.org/markup-compatibility/2006" xmlns:mv="urn:schemas-microsoft-com:mac:vml" xmlns:p="http://schemas.openxmlformats.org/presentationml/2006/main" xmlns:c="http://schemas.openxmlformats.org/drawingml/2006/chart" xmlns:dgm="http://schemas.openxmlformats.org/drawingml/2006/diagram" xmlns:o="urn:schemas-microsoft-com:office:office" xmlns:v="urn:schemas-microsoft-com:vml" xmlns:pvml="urn:schemas-microsoft-com:office:powerpoint" xmlns:com="http://schemas.openxmlformats.org/drawingml/2006/compatibility" xmlns:p14="http://schemas.microsoft.com/office/powerpoint/2010/main" xmlns:p15="http://schemas.microsoft.com/office/powerpoint/2012/main" xmlns:ahyp="http://schemas.microsoft.com/office/drawing/2018/hyperlinkcolor" matchingName="Section title and description">
   <p:cSld name="SECTION_TITLE_AND_DESCRIPTION">
     <p:spTree>
       <p:nvGrpSpPr>
@@ -6776,7 +6776,7 @@
 </file>
 
 <file path=ppt/slideLayouts/slideLayout9.xml><?xml version="1.0" encoding="utf-8"?>
-<p:sldLayout xmlns:a="http://schemas.openxmlformats.org/drawingml/2006/main" xmlns:r="http://schemas.openxmlformats.org/officeDocument/2006/relationships" xmlns:mc="http://schemas.openxmlformats.org/markup-compatibility/2006" xmlns:mv="urn:schemas-microsoft-com:mac:vml" xmlns:p="http://schemas.openxmlformats.org/presentationml/2006/main" xmlns:c="http://schemas.openxmlformats.org/drawingml/2006/chart" xmlns:dgm="http://schemas.openxmlformats.org/drawingml/2006/diagram" xmlns:o="urn:schemas-microsoft-com:office:office" xmlns:v="urn:schemas-microsoft-com:vml" xmlns:pvml="urn:schemas-microsoft-com:office:powerpoint" xmlns:com="http://schemas.openxmlformats.org/drawingml/2006/compatibility" xmlns:p14="http://schemas.microsoft.com/office/powerpoint/2010/main" xmlns:p15="http://schemas.microsoft.com/office/powerpoint/2012/main" matchingName="Caption">
+<p:sldLayout xmlns:a="http://schemas.openxmlformats.org/drawingml/2006/main" xmlns:r="http://schemas.openxmlformats.org/officeDocument/2006/relationships" xmlns:mc="http://schemas.openxmlformats.org/markup-compatibility/2006" xmlns:mv="urn:schemas-microsoft-com:mac:vml" xmlns:p="http://schemas.openxmlformats.org/presentationml/2006/main" xmlns:c="http://schemas.openxmlformats.org/drawingml/2006/chart" xmlns:dgm="http://schemas.openxmlformats.org/drawingml/2006/diagram" xmlns:o="urn:schemas-microsoft-com:office:office" xmlns:v="urn:schemas-microsoft-com:vml" xmlns:pvml="urn:schemas-microsoft-com:office:powerpoint" xmlns:com="http://schemas.openxmlformats.org/drawingml/2006/compatibility" xmlns:p14="http://schemas.microsoft.com/office/powerpoint/2010/main" xmlns:p15="http://schemas.microsoft.com/office/powerpoint/2012/main" xmlns:ahyp="http://schemas.microsoft.com/office/drawing/2018/hyperlinkcolor" matchingName="Caption">
   <p:cSld name="CAPTION_ONLY">
     <p:spTree>
       <p:nvGrpSpPr>
@@ -6918,7 +6918,7 @@
 </file>
 
 <file path=ppt/slideMasters/slideMaster1.xml><?xml version="1.0" encoding="utf-8"?>
-<p:sldMaster xmlns:a="http://schemas.openxmlformats.org/drawingml/2006/main" xmlns:r="http://schemas.openxmlformats.org/officeDocument/2006/relationships" xmlns:mc="http://schemas.openxmlformats.org/markup-compatibility/2006" xmlns:mv="urn:schemas-microsoft-com:mac:vml" xmlns:p="http://schemas.openxmlformats.org/presentationml/2006/main" xmlns:c="http://schemas.openxmlformats.org/drawingml/2006/chart" xmlns:dgm="http://schemas.openxmlformats.org/drawingml/2006/diagram" xmlns:o="urn:schemas-microsoft-com:office:office" xmlns:v="urn:schemas-microsoft-com:vml" xmlns:pvml="urn:schemas-microsoft-com:office:powerpoint" xmlns:com="http://schemas.openxmlformats.org/drawingml/2006/compatibility" xmlns:p14="http://schemas.microsoft.com/office/powerpoint/2010/main" xmlns:p15="http://schemas.microsoft.com/office/powerpoint/2012/main">
+<p:sldMaster xmlns:a="http://schemas.openxmlformats.org/drawingml/2006/main" xmlns:r="http://schemas.openxmlformats.org/officeDocument/2006/relationships" xmlns:mc="http://schemas.openxmlformats.org/markup-compatibility/2006" xmlns:mv="urn:schemas-microsoft-com:mac:vml" xmlns:p="http://schemas.openxmlformats.org/presentationml/2006/main" xmlns:c="http://schemas.openxmlformats.org/drawingml/2006/chart" xmlns:dgm="http://schemas.openxmlformats.org/drawingml/2006/diagram" xmlns:o="urn:schemas-microsoft-com:office:office" xmlns:v="urn:schemas-microsoft-com:vml" xmlns:pvml="urn:schemas-microsoft-com:office:powerpoint" xmlns:com="http://schemas.openxmlformats.org/drawingml/2006/compatibility" xmlns:p14="http://schemas.microsoft.com/office/powerpoint/2010/main" xmlns:p15="http://schemas.microsoft.com/office/powerpoint/2012/main" xmlns:ahyp="http://schemas.microsoft.com/office/drawing/2018/hyperlinkcolor">
   <p:cSld name="simple-light-2">
     <p:bg>
       <p:bgPr>
@@ -8179,7 +8179,7 @@
 </file>
 
 <file path=ppt/slides/slide1.xml><?xml version="1.0" encoding="utf-8"?>
-<p:sld xmlns:a="http://schemas.openxmlformats.org/drawingml/2006/main" xmlns:r="http://schemas.openxmlformats.org/officeDocument/2006/relationships" xmlns:mc="http://schemas.openxmlformats.org/markup-compatibility/2006" xmlns:mv="urn:schemas-microsoft-com:mac:vml" xmlns:p="http://schemas.openxmlformats.org/presentationml/2006/main" xmlns:c="http://schemas.openxmlformats.org/drawingml/2006/chart" xmlns:dgm="http://schemas.openxmlformats.org/drawingml/2006/diagram" xmlns:o="urn:schemas-microsoft-com:office:office" xmlns:v="urn:schemas-microsoft-com:vml" xmlns:pvml="urn:schemas-microsoft-com:office:powerpoint" xmlns:com="http://schemas.openxmlformats.org/drawingml/2006/compatibility" xmlns:p14="http://schemas.microsoft.com/office/powerpoint/2010/main" xmlns:p15="http://schemas.microsoft.com/office/powerpoint/2012/main">
+<p:sld xmlns:a="http://schemas.openxmlformats.org/drawingml/2006/main" xmlns:r="http://schemas.openxmlformats.org/officeDocument/2006/relationships" xmlns:mc="http://schemas.openxmlformats.org/markup-compatibility/2006" xmlns:mv="urn:schemas-microsoft-com:mac:vml" xmlns:p="http://schemas.openxmlformats.org/presentationml/2006/main" xmlns:c="http://schemas.openxmlformats.org/drawingml/2006/chart" xmlns:dgm="http://schemas.openxmlformats.org/drawingml/2006/diagram" xmlns:o="urn:schemas-microsoft-com:office:office" xmlns:v="urn:schemas-microsoft-com:vml" xmlns:pvml="urn:schemas-microsoft-com:office:powerpoint" xmlns:com="http://schemas.openxmlformats.org/drawingml/2006/compatibility" xmlns:p14="http://schemas.microsoft.com/office/powerpoint/2010/main" xmlns:p15="http://schemas.microsoft.com/office/powerpoint/2012/main" xmlns:ahyp="http://schemas.microsoft.com/office/drawing/2018/hyperlinkcolor">
   <p:cSld>
     <p:spTree>
       <p:nvGrpSpPr>
@@ -8552,7 +8552,7 @@
 </file>
 
 <file path=ppt/slides/slide10.xml><?xml version="1.0" encoding="utf-8"?>
-<p:sld xmlns:a="http://schemas.openxmlformats.org/drawingml/2006/main" xmlns:r="http://schemas.openxmlformats.org/officeDocument/2006/relationships" xmlns:mc="http://schemas.openxmlformats.org/markup-compatibility/2006" xmlns:mv="urn:schemas-microsoft-com:mac:vml" xmlns:p="http://schemas.openxmlformats.org/presentationml/2006/main" xmlns:c="http://schemas.openxmlformats.org/drawingml/2006/chart" xmlns:dgm="http://schemas.openxmlformats.org/drawingml/2006/diagram" xmlns:o="urn:schemas-microsoft-com:office:office" xmlns:v="urn:schemas-microsoft-com:vml" xmlns:pvml="urn:schemas-microsoft-com:office:powerpoint" xmlns:com="http://schemas.openxmlformats.org/drawingml/2006/compatibility" xmlns:p14="http://schemas.microsoft.com/office/powerpoint/2010/main" xmlns:p15="http://schemas.microsoft.com/office/powerpoint/2012/main">
+<p:sld xmlns:a="http://schemas.openxmlformats.org/drawingml/2006/main" xmlns:r="http://schemas.openxmlformats.org/officeDocument/2006/relationships" xmlns:mc="http://schemas.openxmlformats.org/markup-compatibility/2006" xmlns:mv="urn:schemas-microsoft-com:mac:vml" xmlns:p="http://schemas.openxmlformats.org/presentationml/2006/main" xmlns:c="http://schemas.openxmlformats.org/drawingml/2006/chart" xmlns:dgm="http://schemas.openxmlformats.org/drawingml/2006/diagram" xmlns:o="urn:schemas-microsoft-com:office:office" xmlns:v="urn:schemas-microsoft-com:vml" xmlns:pvml="urn:schemas-microsoft-com:office:powerpoint" xmlns:com="http://schemas.openxmlformats.org/drawingml/2006/compatibility" xmlns:p14="http://schemas.microsoft.com/office/powerpoint/2010/main" xmlns:p15="http://schemas.microsoft.com/office/powerpoint/2012/main" xmlns:ahyp="http://schemas.microsoft.com/office/drawing/2018/hyperlinkcolor">
   <p:cSld>
     <p:spTree>
       <p:nvGrpSpPr>
@@ -10498,7 +10498,7 @@
 </file>
 
 <file path=ppt/slides/slide11.xml><?xml version="1.0" encoding="utf-8"?>
-<p:sld xmlns:a="http://schemas.openxmlformats.org/drawingml/2006/main" xmlns:r="http://schemas.openxmlformats.org/officeDocument/2006/relationships" xmlns:mc="http://schemas.openxmlformats.org/markup-compatibility/2006" xmlns:mv="urn:schemas-microsoft-com:mac:vml" xmlns:p="http://schemas.openxmlformats.org/presentationml/2006/main" xmlns:c="http://schemas.openxmlformats.org/drawingml/2006/chart" xmlns:dgm="http://schemas.openxmlformats.org/drawingml/2006/diagram" xmlns:o="urn:schemas-microsoft-com:office:office" xmlns:v="urn:schemas-microsoft-com:vml" xmlns:pvml="urn:schemas-microsoft-com:office:powerpoint" xmlns:com="http://schemas.openxmlformats.org/drawingml/2006/compatibility" xmlns:p14="http://schemas.microsoft.com/office/powerpoint/2010/main" xmlns:p15="http://schemas.microsoft.com/office/powerpoint/2012/main">
+<p:sld xmlns:a="http://schemas.openxmlformats.org/drawingml/2006/main" xmlns:r="http://schemas.openxmlformats.org/officeDocument/2006/relationships" xmlns:mc="http://schemas.openxmlformats.org/markup-compatibility/2006" xmlns:mv="urn:schemas-microsoft-com:mac:vml" xmlns:p="http://schemas.openxmlformats.org/presentationml/2006/main" xmlns:c="http://schemas.openxmlformats.org/drawingml/2006/chart" xmlns:dgm="http://schemas.openxmlformats.org/drawingml/2006/diagram" xmlns:o="urn:schemas-microsoft-com:office:office" xmlns:v="urn:schemas-microsoft-com:vml" xmlns:pvml="urn:schemas-microsoft-com:office:powerpoint" xmlns:com="http://schemas.openxmlformats.org/drawingml/2006/compatibility" xmlns:p14="http://schemas.microsoft.com/office/powerpoint/2010/main" xmlns:p15="http://schemas.microsoft.com/office/powerpoint/2012/main" xmlns:ahyp="http://schemas.microsoft.com/office/drawing/2018/hyperlinkcolor">
   <p:cSld>
     <p:spTree>
       <p:nvGrpSpPr>
@@ -11415,7 +11415,7 @@
 </file>
 
 <file path=ppt/slides/slide12.xml><?xml version="1.0" encoding="utf-8"?>
-<p:sld xmlns:a="http://schemas.openxmlformats.org/drawingml/2006/main" xmlns:r="http://schemas.openxmlformats.org/officeDocument/2006/relationships" xmlns:mc="http://schemas.openxmlformats.org/markup-compatibility/2006" xmlns:mv="urn:schemas-microsoft-com:mac:vml" xmlns:p="http://schemas.openxmlformats.org/presentationml/2006/main" xmlns:c="http://schemas.openxmlformats.org/drawingml/2006/chart" xmlns:dgm="http://schemas.openxmlformats.org/drawingml/2006/diagram" xmlns:o="urn:schemas-microsoft-com:office:office" xmlns:v="urn:schemas-microsoft-com:vml" xmlns:pvml="urn:schemas-microsoft-com:office:powerpoint" xmlns:com="http://schemas.openxmlformats.org/drawingml/2006/compatibility" xmlns:p14="http://schemas.microsoft.com/office/powerpoint/2010/main" xmlns:p15="http://schemas.microsoft.com/office/powerpoint/2012/main">
+<p:sld xmlns:a="http://schemas.openxmlformats.org/drawingml/2006/main" xmlns:r="http://schemas.openxmlformats.org/officeDocument/2006/relationships" xmlns:mc="http://schemas.openxmlformats.org/markup-compatibility/2006" xmlns:mv="urn:schemas-microsoft-com:mac:vml" xmlns:p="http://schemas.openxmlformats.org/presentationml/2006/main" xmlns:c="http://schemas.openxmlformats.org/drawingml/2006/chart" xmlns:dgm="http://schemas.openxmlformats.org/drawingml/2006/diagram" xmlns:o="urn:schemas-microsoft-com:office:office" xmlns:v="urn:schemas-microsoft-com:vml" xmlns:pvml="urn:schemas-microsoft-com:office:powerpoint" xmlns:com="http://schemas.openxmlformats.org/drawingml/2006/compatibility" xmlns:p14="http://schemas.microsoft.com/office/powerpoint/2010/main" xmlns:p15="http://schemas.microsoft.com/office/powerpoint/2012/main" xmlns:ahyp="http://schemas.microsoft.com/office/drawing/2018/hyperlinkcolor">
   <p:cSld>
     <p:spTree>
       <p:nvGrpSpPr>
@@ -11507,7 +11507,7 @@
 </file>
 
 <file path=ppt/slides/slide13.xml><?xml version="1.0" encoding="utf-8"?>
-<p:sld xmlns:a="http://schemas.openxmlformats.org/drawingml/2006/main" xmlns:r="http://schemas.openxmlformats.org/officeDocument/2006/relationships" xmlns:mc="http://schemas.openxmlformats.org/markup-compatibility/2006" xmlns:mv="urn:schemas-microsoft-com:mac:vml" xmlns:p="http://schemas.openxmlformats.org/presentationml/2006/main" xmlns:c="http://schemas.openxmlformats.org/drawingml/2006/chart" xmlns:dgm="http://schemas.openxmlformats.org/drawingml/2006/diagram" xmlns:o="urn:schemas-microsoft-com:office:office" xmlns:v="urn:schemas-microsoft-com:vml" xmlns:pvml="urn:schemas-microsoft-com:office:powerpoint" xmlns:com="http://schemas.openxmlformats.org/drawingml/2006/compatibility" xmlns:p14="http://schemas.microsoft.com/office/powerpoint/2010/main" xmlns:p15="http://schemas.microsoft.com/office/powerpoint/2012/main">
+<p:sld xmlns:a="http://schemas.openxmlformats.org/drawingml/2006/main" xmlns:r="http://schemas.openxmlformats.org/officeDocument/2006/relationships" xmlns:mc="http://schemas.openxmlformats.org/markup-compatibility/2006" xmlns:mv="urn:schemas-microsoft-com:mac:vml" xmlns:p="http://schemas.openxmlformats.org/presentationml/2006/main" xmlns:c="http://schemas.openxmlformats.org/drawingml/2006/chart" xmlns:dgm="http://schemas.openxmlformats.org/drawingml/2006/diagram" xmlns:o="urn:schemas-microsoft-com:office:office" xmlns:v="urn:schemas-microsoft-com:vml" xmlns:pvml="urn:schemas-microsoft-com:office:powerpoint" xmlns:com="http://schemas.openxmlformats.org/drawingml/2006/compatibility" xmlns:p14="http://schemas.microsoft.com/office/powerpoint/2010/main" xmlns:p15="http://schemas.microsoft.com/office/powerpoint/2012/main" xmlns:ahyp="http://schemas.microsoft.com/office/drawing/2018/hyperlinkcolor">
   <p:cSld>
     <p:spTree>
       <p:nvGrpSpPr>
@@ -11639,7 +11639,7 @@
 </file>
 
 <file path=ppt/slides/slide14.xml><?xml version="1.0" encoding="utf-8"?>
-<p:sld xmlns:a="http://schemas.openxmlformats.org/drawingml/2006/main" xmlns:r="http://schemas.openxmlformats.org/officeDocument/2006/relationships" xmlns:mc="http://schemas.openxmlformats.org/markup-compatibility/2006" xmlns:mv="urn:schemas-microsoft-com:mac:vml" xmlns:p="http://schemas.openxmlformats.org/presentationml/2006/main" xmlns:c="http://schemas.openxmlformats.org/drawingml/2006/chart" xmlns:dgm="http://schemas.openxmlformats.org/drawingml/2006/diagram" xmlns:o="urn:schemas-microsoft-com:office:office" xmlns:v="urn:schemas-microsoft-com:vml" xmlns:pvml="urn:schemas-microsoft-com:office:powerpoint" xmlns:com="http://schemas.openxmlformats.org/drawingml/2006/compatibility" xmlns:p14="http://schemas.microsoft.com/office/powerpoint/2010/main" xmlns:p15="http://schemas.microsoft.com/office/powerpoint/2012/main">
+<p:sld xmlns:a="http://schemas.openxmlformats.org/drawingml/2006/main" xmlns:r="http://schemas.openxmlformats.org/officeDocument/2006/relationships" xmlns:mc="http://schemas.openxmlformats.org/markup-compatibility/2006" xmlns:mv="urn:schemas-microsoft-com:mac:vml" xmlns:p="http://schemas.openxmlformats.org/presentationml/2006/main" xmlns:c="http://schemas.openxmlformats.org/drawingml/2006/chart" xmlns:dgm="http://schemas.openxmlformats.org/drawingml/2006/diagram" xmlns:o="urn:schemas-microsoft-com:office:office" xmlns:v="urn:schemas-microsoft-com:vml" xmlns:pvml="urn:schemas-microsoft-com:office:powerpoint" xmlns:com="http://schemas.openxmlformats.org/drawingml/2006/compatibility" xmlns:p14="http://schemas.microsoft.com/office/powerpoint/2010/main" xmlns:p15="http://schemas.microsoft.com/office/powerpoint/2012/main" xmlns:ahyp="http://schemas.microsoft.com/office/drawing/2018/hyperlinkcolor">
   <p:cSld>
     <p:spTree>
       <p:nvGrpSpPr>
@@ -11772,7 +11772,7 @@
 </file>
 
 <file path=ppt/slides/slide15.xml><?xml version="1.0" encoding="utf-8"?>
-<p:sld xmlns:a="http://schemas.openxmlformats.org/drawingml/2006/main" xmlns:r="http://schemas.openxmlformats.org/officeDocument/2006/relationships" xmlns:mc="http://schemas.openxmlformats.org/markup-compatibility/2006" xmlns:mv="urn:schemas-microsoft-com:mac:vml" xmlns:p="http://schemas.openxmlformats.org/presentationml/2006/main" xmlns:c="http://schemas.openxmlformats.org/drawingml/2006/chart" xmlns:dgm="http://schemas.openxmlformats.org/drawingml/2006/diagram" xmlns:o="urn:schemas-microsoft-com:office:office" xmlns:v="urn:schemas-microsoft-com:vml" xmlns:pvml="urn:schemas-microsoft-com:office:powerpoint" xmlns:com="http://schemas.openxmlformats.org/drawingml/2006/compatibility" xmlns:p14="http://schemas.microsoft.com/office/powerpoint/2010/main" xmlns:p15="http://schemas.microsoft.com/office/powerpoint/2012/main">
+<p:sld xmlns:a="http://schemas.openxmlformats.org/drawingml/2006/main" xmlns:r="http://schemas.openxmlformats.org/officeDocument/2006/relationships" xmlns:mc="http://schemas.openxmlformats.org/markup-compatibility/2006" xmlns:mv="urn:schemas-microsoft-com:mac:vml" xmlns:p="http://schemas.openxmlformats.org/presentationml/2006/main" xmlns:c="http://schemas.openxmlformats.org/drawingml/2006/chart" xmlns:dgm="http://schemas.openxmlformats.org/drawingml/2006/diagram" xmlns:o="urn:schemas-microsoft-com:office:office" xmlns:v="urn:schemas-microsoft-com:vml" xmlns:pvml="urn:schemas-microsoft-com:office:powerpoint" xmlns:com="http://schemas.openxmlformats.org/drawingml/2006/compatibility" xmlns:p14="http://schemas.microsoft.com/office/powerpoint/2010/main" xmlns:p15="http://schemas.microsoft.com/office/powerpoint/2012/main" xmlns:ahyp="http://schemas.microsoft.com/office/drawing/2018/hyperlinkcolor">
   <p:cSld>
     <p:spTree>
       <p:nvGrpSpPr>
@@ -11960,7 +11960,7 @@
 </file>
 
 <file path=ppt/slides/slide16.xml><?xml version="1.0" encoding="utf-8"?>
-<p:sld xmlns:a="http://schemas.openxmlformats.org/drawingml/2006/main" xmlns:r="http://schemas.openxmlformats.org/officeDocument/2006/relationships" xmlns:mc="http://schemas.openxmlformats.org/markup-compatibility/2006" xmlns:mv="urn:schemas-microsoft-com:mac:vml" xmlns:p="http://schemas.openxmlformats.org/presentationml/2006/main" xmlns:c="http://schemas.openxmlformats.org/drawingml/2006/chart" xmlns:dgm="http://schemas.openxmlformats.org/drawingml/2006/diagram" xmlns:o="urn:schemas-microsoft-com:office:office" xmlns:v="urn:schemas-microsoft-com:vml" xmlns:pvml="urn:schemas-microsoft-com:office:powerpoint" xmlns:com="http://schemas.openxmlformats.org/drawingml/2006/compatibility" xmlns:p14="http://schemas.microsoft.com/office/powerpoint/2010/main" xmlns:p15="http://schemas.microsoft.com/office/powerpoint/2012/main">
+<p:sld xmlns:a="http://schemas.openxmlformats.org/drawingml/2006/main" xmlns:r="http://schemas.openxmlformats.org/officeDocument/2006/relationships" xmlns:mc="http://schemas.openxmlformats.org/markup-compatibility/2006" xmlns:mv="urn:schemas-microsoft-com:mac:vml" xmlns:p="http://schemas.openxmlformats.org/presentationml/2006/main" xmlns:c="http://schemas.openxmlformats.org/drawingml/2006/chart" xmlns:dgm="http://schemas.openxmlformats.org/drawingml/2006/diagram" xmlns:o="urn:schemas-microsoft-com:office:office" xmlns:v="urn:schemas-microsoft-com:vml" xmlns:pvml="urn:schemas-microsoft-com:office:powerpoint" xmlns:com="http://schemas.openxmlformats.org/drawingml/2006/compatibility" xmlns:p14="http://schemas.microsoft.com/office/powerpoint/2010/main" xmlns:p15="http://schemas.microsoft.com/office/powerpoint/2012/main" xmlns:ahyp="http://schemas.microsoft.com/office/drawing/2018/hyperlinkcolor">
   <p:cSld>
     <p:spTree>
       <p:nvGrpSpPr>
@@ -12191,7 +12191,7 @@
 </file>
 
 <file path=ppt/slides/slide17.xml><?xml version="1.0" encoding="utf-8"?>
-<p:sld xmlns:a="http://schemas.openxmlformats.org/drawingml/2006/main" xmlns:r="http://schemas.openxmlformats.org/officeDocument/2006/relationships" xmlns:mc="http://schemas.openxmlformats.org/markup-compatibility/2006" xmlns:mv="urn:schemas-microsoft-com:mac:vml" xmlns:p="http://schemas.openxmlformats.org/presentationml/2006/main" xmlns:c="http://schemas.openxmlformats.org/drawingml/2006/chart" xmlns:dgm="http://schemas.openxmlformats.org/drawingml/2006/diagram" xmlns:o="urn:schemas-microsoft-com:office:office" xmlns:v="urn:schemas-microsoft-com:vml" xmlns:pvml="urn:schemas-microsoft-com:office:powerpoint" xmlns:com="http://schemas.openxmlformats.org/drawingml/2006/compatibility" xmlns:p14="http://schemas.microsoft.com/office/powerpoint/2010/main" xmlns:p15="http://schemas.microsoft.com/office/powerpoint/2012/main">
+<p:sld xmlns:a="http://schemas.openxmlformats.org/drawingml/2006/main" xmlns:r="http://schemas.openxmlformats.org/officeDocument/2006/relationships" xmlns:mc="http://schemas.openxmlformats.org/markup-compatibility/2006" xmlns:mv="urn:schemas-microsoft-com:mac:vml" xmlns:p="http://schemas.openxmlformats.org/presentationml/2006/main" xmlns:c="http://schemas.openxmlformats.org/drawingml/2006/chart" xmlns:dgm="http://schemas.openxmlformats.org/drawingml/2006/diagram" xmlns:o="urn:schemas-microsoft-com:office:office" xmlns:v="urn:schemas-microsoft-com:vml" xmlns:pvml="urn:schemas-microsoft-com:office:powerpoint" xmlns:com="http://schemas.openxmlformats.org/drawingml/2006/compatibility" xmlns:p14="http://schemas.microsoft.com/office/powerpoint/2010/main" xmlns:p15="http://schemas.microsoft.com/office/powerpoint/2012/main" xmlns:ahyp="http://schemas.microsoft.com/office/drawing/2018/hyperlinkcolor">
   <p:cSld>
     <p:spTree>
       <p:nvGrpSpPr>
@@ -12323,7 +12323,7 @@
 </file>
 
 <file path=ppt/slides/slide18.xml><?xml version="1.0" encoding="utf-8"?>
-<p:sld xmlns:a="http://schemas.openxmlformats.org/drawingml/2006/main" xmlns:r="http://schemas.openxmlformats.org/officeDocument/2006/relationships" xmlns:mc="http://schemas.openxmlformats.org/markup-compatibility/2006" xmlns:mv="urn:schemas-microsoft-com:mac:vml" xmlns:p="http://schemas.openxmlformats.org/presentationml/2006/main" xmlns:c="http://schemas.openxmlformats.org/drawingml/2006/chart" xmlns:dgm="http://schemas.openxmlformats.org/drawingml/2006/diagram" xmlns:o="urn:schemas-microsoft-com:office:office" xmlns:v="urn:schemas-microsoft-com:vml" xmlns:pvml="urn:schemas-microsoft-com:office:powerpoint" xmlns:com="http://schemas.openxmlformats.org/drawingml/2006/compatibility" xmlns:p14="http://schemas.microsoft.com/office/powerpoint/2010/main" xmlns:p15="http://schemas.microsoft.com/office/powerpoint/2012/main">
+<p:sld xmlns:a="http://schemas.openxmlformats.org/drawingml/2006/main" xmlns:r="http://schemas.openxmlformats.org/officeDocument/2006/relationships" xmlns:mc="http://schemas.openxmlformats.org/markup-compatibility/2006" xmlns:mv="urn:schemas-microsoft-com:mac:vml" xmlns:p="http://schemas.openxmlformats.org/presentationml/2006/main" xmlns:c="http://schemas.openxmlformats.org/drawingml/2006/chart" xmlns:dgm="http://schemas.openxmlformats.org/drawingml/2006/diagram" xmlns:o="urn:schemas-microsoft-com:office:office" xmlns:v="urn:schemas-microsoft-com:vml" xmlns:pvml="urn:schemas-microsoft-com:office:powerpoint" xmlns:com="http://schemas.openxmlformats.org/drawingml/2006/compatibility" xmlns:p14="http://schemas.microsoft.com/office/powerpoint/2010/main" xmlns:p15="http://schemas.microsoft.com/office/powerpoint/2012/main" xmlns:ahyp="http://schemas.microsoft.com/office/drawing/2018/hyperlinkcolor">
   <p:cSld>
     <p:spTree>
       <p:nvGrpSpPr>
@@ -12611,7 +12611,7 @@
 </file>
 
 <file path=ppt/slides/slide19.xml><?xml version="1.0" encoding="utf-8"?>
-<p:sld xmlns:a="http://schemas.openxmlformats.org/drawingml/2006/main" xmlns:r="http://schemas.openxmlformats.org/officeDocument/2006/relationships" xmlns:mc="http://schemas.openxmlformats.org/markup-compatibility/2006" xmlns:mv="urn:schemas-microsoft-com:mac:vml" xmlns:p="http://schemas.openxmlformats.org/presentationml/2006/main" xmlns:c="http://schemas.openxmlformats.org/drawingml/2006/chart" xmlns:dgm="http://schemas.openxmlformats.org/drawingml/2006/diagram" xmlns:o="urn:schemas-microsoft-com:office:office" xmlns:v="urn:schemas-microsoft-com:vml" xmlns:pvml="urn:schemas-microsoft-com:office:powerpoint" xmlns:com="http://schemas.openxmlformats.org/drawingml/2006/compatibility" xmlns:p14="http://schemas.microsoft.com/office/powerpoint/2010/main" xmlns:p15="http://schemas.microsoft.com/office/powerpoint/2012/main">
+<p:sld xmlns:a="http://schemas.openxmlformats.org/drawingml/2006/main" xmlns:r="http://schemas.openxmlformats.org/officeDocument/2006/relationships" xmlns:mc="http://schemas.openxmlformats.org/markup-compatibility/2006" xmlns:mv="urn:schemas-microsoft-com:mac:vml" xmlns:p="http://schemas.openxmlformats.org/presentationml/2006/main" xmlns:c="http://schemas.openxmlformats.org/drawingml/2006/chart" xmlns:dgm="http://schemas.openxmlformats.org/drawingml/2006/diagram" xmlns:o="urn:schemas-microsoft-com:office:office" xmlns:v="urn:schemas-microsoft-com:vml" xmlns:pvml="urn:schemas-microsoft-com:office:powerpoint" xmlns:com="http://schemas.openxmlformats.org/drawingml/2006/compatibility" xmlns:p14="http://schemas.microsoft.com/office/powerpoint/2010/main" xmlns:p15="http://schemas.microsoft.com/office/powerpoint/2012/main" xmlns:ahyp="http://schemas.microsoft.com/office/drawing/2018/hyperlinkcolor">
   <p:cSld>
     <p:spTree>
       <p:nvGrpSpPr>
@@ -13490,7 +13490,7 @@
 </file>
 
 <file path=ppt/slides/slide2.xml><?xml version="1.0" encoding="utf-8"?>
-<p:sld xmlns:a="http://schemas.openxmlformats.org/drawingml/2006/main" xmlns:r="http://schemas.openxmlformats.org/officeDocument/2006/relationships" xmlns:mc="http://schemas.openxmlformats.org/markup-compatibility/2006" xmlns:mv="urn:schemas-microsoft-com:mac:vml" xmlns:p="http://schemas.openxmlformats.org/presentationml/2006/main" xmlns:c="http://schemas.openxmlformats.org/drawingml/2006/chart" xmlns:dgm="http://schemas.openxmlformats.org/drawingml/2006/diagram" xmlns:o="urn:schemas-microsoft-com:office:office" xmlns:v="urn:schemas-microsoft-com:vml" xmlns:pvml="urn:schemas-microsoft-com:office:powerpoint" xmlns:com="http://schemas.openxmlformats.org/drawingml/2006/compatibility" xmlns:p14="http://schemas.microsoft.com/office/powerpoint/2010/main" xmlns:p15="http://schemas.microsoft.com/office/powerpoint/2012/main">
+<p:sld xmlns:a="http://schemas.openxmlformats.org/drawingml/2006/main" xmlns:r="http://schemas.openxmlformats.org/officeDocument/2006/relationships" xmlns:mc="http://schemas.openxmlformats.org/markup-compatibility/2006" xmlns:mv="urn:schemas-microsoft-com:mac:vml" xmlns:p="http://schemas.openxmlformats.org/presentationml/2006/main" xmlns:c="http://schemas.openxmlformats.org/drawingml/2006/chart" xmlns:dgm="http://schemas.openxmlformats.org/drawingml/2006/diagram" xmlns:o="urn:schemas-microsoft-com:office:office" xmlns:v="urn:schemas-microsoft-com:vml" xmlns:pvml="urn:schemas-microsoft-com:office:powerpoint" xmlns:com="http://schemas.openxmlformats.org/drawingml/2006/compatibility" xmlns:p14="http://schemas.microsoft.com/office/powerpoint/2010/main" xmlns:p15="http://schemas.microsoft.com/office/powerpoint/2012/main" xmlns:ahyp="http://schemas.microsoft.com/office/drawing/2018/hyperlinkcolor">
   <p:cSld>
     <p:spTree>
       <p:nvGrpSpPr>
@@ -13902,7 +13902,7 @@
 </file>
 
 <file path=ppt/slides/slide20.xml><?xml version="1.0" encoding="utf-8"?>
-<p:sld xmlns:a="http://schemas.openxmlformats.org/drawingml/2006/main" xmlns:r="http://schemas.openxmlformats.org/officeDocument/2006/relationships" xmlns:mc="http://schemas.openxmlformats.org/markup-compatibility/2006" xmlns:mv="urn:schemas-microsoft-com:mac:vml" xmlns:p="http://schemas.openxmlformats.org/presentationml/2006/main" xmlns:c="http://schemas.openxmlformats.org/drawingml/2006/chart" xmlns:dgm="http://schemas.openxmlformats.org/drawingml/2006/diagram" xmlns:o="urn:schemas-microsoft-com:office:office" xmlns:v="urn:schemas-microsoft-com:vml" xmlns:pvml="urn:schemas-microsoft-com:office:powerpoint" xmlns:com="http://schemas.openxmlformats.org/drawingml/2006/compatibility" xmlns:p14="http://schemas.microsoft.com/office/powerpoint/2010/main" xmlns:p15="http://schemas.microsoft.com/office/powerpoint/2012/main">
+<p:sld xmlns:a="http://schemas.openxmlformats.org/drawingml/2006/main" xmlns:r="http://schemas.openxmlformats.org/officeDocument/2006/relationships" xmlns:mc="http://schemas.openxmlformats.org/markup-compatibility/2006" xmlns:mv="urn:schemas-microsoft-com:mac:vml" xmlns:p="http://schemas.openxmlformats.org/presentationml/2006/main" xmlns:c="http://schemas.openxmlformats.org/drawingml/2006/chart" xmlns:dgm="http://schemas.openxmlformats.org/drawingml/2006/diagram" xmlns:o="urn:schemas-microsoft-com:office:office" xmlns:v="urn:schemas-microsoft-com:vml" xmlns:pvml="urn:schemas-microsoft-com:office:powerpoint" xmlns:com="http://schemas.openxmlformats.org/drawingml/2006/compatibility" xmlns:p14="http://schemas.microsoft.com/office/powerpoint/2010/main" xmlns:p15="http://schemas.microsoft.com/office/powerpoint/2012/main" xmlns:ahyp="http://schemas.microsoft.com/office/drawing/2018/hyperlinkcolor">
   <p:cSld>
     <p:spTree>
       <p:nvGrpSpPr>
@@ -14174,7 +14174,7 @@
 </file>
 
 <file path=ppt/slides/slide21.xml><?xml version="1.0" encoding="utf-8"?>
-<p:sld xmlns:a="http://schemas.openxmlformats.org/drawingml/2006/main" xmlns:r="http://schemas.openxmlformats.org/officeDocument/2006/relationships" xmlns:mc="http://schemas.openxmlformats.org/markup-compatibility/2006" xmlns:mv="urn:schemas-microsoft-com:mac:vml" xmlns:p="http://schemas.openxmlformats.org/presentationml/2006/main" xmlns:c="http://schemas.openxmlformats.org/drawingml/2006/chart" xmlns:dgm="http://schemas.openxmlformats.org/drawingml/2006/diagram" xmlns:o="urn:schemas-microsoft-com:office:office" xmlns:v="urn:schemas-microsoft-com:vml" xmlns:pvml="urn:schemas-microsoft-com:office:powerpoint" xmlns:com="http://schemas.openxmlformats.org/drawingml/2006/compatibility" xmlns:p14="http://schemas.microsoft.com/office/powerpoint/2010/main" xmlns:p15="http://schemas.microsoft.com/office/powerpoint/2012/main">
+<p:sld xmlns:a="http://schemas.openxmlformats.org/drawingml/2006/main" xmlns:r="http://schemas.openxmlformats.org/officeDocument/2006/relationships" xmlns:mc="http://schemas.openxmlformats.org/markup-compatibility/2006" xmlns:mv="urn:schemas-microsoft-com:mac:vml" xmlns:p="http://schemas.openxmlformats.org/presentationml/2006/main" xmlns:c="http://schemas.openxmlformats.org/drawingml/2006/chart" xmlns:dgm="http://schemas.openxmlformats.org/drawingml/2006/diagram" xmlns:o="urn:schemas-microsoft-com:office:office" xmlns:v="urn:schemas-microsoft-com:vml" xmlns:pvml="urn:schemas-microsoft-com:office:powerpoint" xmlns:com="http://schemas.openxmlformats.org/drawingml/2006/compatibility" xmlns:p14="http://schemas.microsoft.com/office/powerpoint/2010/main" xmlns:p15="http://schemas.microsoft.com/office/powerpoint/2012/main" xmlns:ahyp="http://schemas.microsoft.com/office/drawing/2018/hyperlinkcolor">
   <p:cSld>
     <p:spTree>
       <p:nvGrpSpPr>
@@ -14390,7 +14390,7 @@
 </file>
 
 <file path=ppt/slides/slide22.xml><?xml version="1.0" encoding="utf-8"?>
-<p:sld xmlns:a="http://schemas.openxmlformats.org/drawingml/2006/main" xmlns:r="http://schemas.openxmlformats.org/officeDocument/2006/relationships" xmlns:mc="http://schemas.openxmlformats.org/markup-compatibility/2006" xmlns:mv="urn:schemas-microsoft-com:mac:vml" xmlns:p="http://schemas.openxmlformats.org/presentationml/2006/main" xmlns:c="http://schemas.openxmlformats.org/drawingml/2006/chart" xmlns:dgm="http://schemas.openxmlformats.org/drawingml/2006/diagram" xmlns:o="urn:schemas-microsoft-com:office:office" xmlns:v="urn:schemas-microsoft-com:vml" xmlns:pvml="urn:schemas-microsoft-com:office:powerpoint" xmlns:com="http://schemas.openxmlformats.org/drawingml/2006/compatibility" xmlns:p14="http://schemas.microsoft.com/office/powerpoint/2010/main" xmlns:p15="http://schemas.microsoft.com/office/powerpoint/2012/main">
+<p:sld xmlns:a="http://schemas.openxmlformats.org/drawingml/2006/main" xmlns:r="http://schemas.openxmlformats.org/officeDocument/2006/relationships" xmlns:mc="http://schemas.openxmlformats.org/markup-compatibility/2006" xmlns:mv="urn:schemas-microsoft-com:mac:vml" xmlns:p="http://schemas.openxmlformats.org/presentationml/2006/main" xmlns:c="http://schemas.openxmlformats.org/drawingml/2006/chart" xmlns:dgm="http://schemas.openxmlformats.org/drawingml/2006/diagram" xmlns:o="urn:schemas-microsoft-com:office:office" xmlns:v="urn:schemas-microsoft-com:vml" xmlns:pvml="urn:schemas-microsoft-com:office:powerpoint" xmlns:com="http://schemas.openxmlformats.org/drawingml/2006/compatibility" xmlns:p14="http://schemas.microsoft.com/office/powerpoint/2010/main" xmlns:p15="http://schemas.microsoft.com/office/powerpoint/2012/main" xmlns:ahyp="http://schemas.microsoft.com/office/drawing/2018/hyperlinkcolor">
   <p:cSld>
     <p:spTree>
       <p:nvGrpSpPr>
@@ -14482,7 +14482,7 @@
 </file>
 
 <file path=ppt/slides/slide23.xml><?xml version="1.0" encoding="utf-8"?>
-<p:sld xmlns:a="http://schemas.openxmlformats.org/drawingml/2006/main" xmlns:r="http://schemas.openxmlformats.org/officeDocument/2006/relationships" xmlns:mc="http://schemas.openxmlformats.org/markup-compatibility/2006" xmlns:mv="urn:schemas-microsoft-com:mac:vml" xmlns:p="http://schemas.openxmlformats.org/presentationml/2006/main" xmlns:c="http://schemas.openxmlformats.org/drawingml/2006/chart" xmlns:dgm="http://schemas.openxmlformats.org/drawingml/2006/diagram" xmlns:o="urn:schemas-microsoft-com:office:office" xmlns:v="urn:schemas-microsoft-com:vml" xmlns:pvml="urn:schemas-microsoft-com:office:powerpoint" xmlns:com="http://schemas.openxmlformats.org/drawingml/2006/compatibility" xmlns:p14="http://schemas.microsoft.com/office/powerpoint/2010/main" xmlns:p15="http://schemas.microsoft.com/office/powerpoint/2012/main">
+<p:sld xmlns:a="http://schemas.openxmlformats.org/drawingml/2006/main" xmlns:r="http://schemas.openxmlformats.org/officeDocument/2006/relationships" xmlns:mc="http://schemas.openxmlformats.org/markup-compatibility/2006" xmlns:mv="urn:schemas-microsoft-com:mac:vml" xmlns:p="http://schemas.openxmlformats.org/presentationml/2006/main" xmlns:c="http://schemas.openxmlformats.org/drawingml/2006/chart" xmlns:dgm="http://schemas.openxmlformats.org/drawingml/2006/diagram" xmlns:o="urn:schemas-microsoft-com:office:office" xmlns:v="urn:schemas-microsoft-com:vml" xmlns:pvml="urn:schemas-microsoft-com:office:powerpoint" xmlns:com="http://schemas.openxmlformats.org/drawingml/2006/compatibility" xmlns:p14="http://schemas.microsoft.com/office/powerpoint/2010/main" xmlns:p15="http://schemas.microsoft.com/office/powerpoint/2012/main" xmlns:ahyp="http://schemas.microsoft.com/office/drawing/2018/hyperlinkcolor">
   <p:cSld>
     <p:spTree>
       <p:nvGrpSpPr>
@@ -14613,7 +14613,7 @@
 </file>
 
 <file path=ppt/slides/slide24.xml><?xml version="1.0" encoding="utf-8"?>
-<p:sld xmlns:a="http://schemas.openxmlformats.org/drawingml/2006/main" xmlns:r="http://schemas.openxmlformats.org/officeDocument/2006/relationships" xmlns:mc="http://schemas.openxmlformats.org/markup-compatibility/2006" xmlns:mv="urn:schemas-microsoft-com:mac:vml" xmlns:p="http://schemas.openxmlformats.org/presentationml/2006/main" xmlns:c="http://schemas.openxmlformats.org/drawingml/2006/chart" xmlns:dgm="http://schemas.openxmlformats.org/drawingml/2006/diagram" xmlns:o="urn:schemas-microsoft-com:office:office" xmlns:v="urn:schemas-microsoft-com:vml" xmlns:pvml="urn:schemas-microsoft-com:office:powerpoint" xmlns:com="http://schemas.openxmlformats.org/drawingml/2006/compatibility" xmlns:p14="http://schemas.microsoft.com/office/powerpoint/2010/main" xmlns:p15="http://schemas.microsoft.com/office/powerpoint/2012/main">
+<p:sld xmlns:a="http://schemas.openxmlformats.org/drawingml/2006/main" xmlns:r="http://schemas.openxmlformats.org/officeDocument/2006/relationships" xmlns:mc="http://schemas.openxmlformats.org/markup-compatibility/2006" xmlns:mv="urn:schemas-microsoft-com:mac:vml" xmlns:p="http://schemas.openxmlformats.org/presentationml/2006/main" xmlns:c="http://schemas.openxmlformats.org/drawingml/2006/chart" xmlns:dgm="http://schemas.openxmlformats.org/drawingml/2006/diagram" xmlns:o="urn:schemas-microsoft-com:office:office" xmlns:v="urn:schemas-microsoft-com:vml" xmlns:pvml="urn:schemas-microsoft-com:office:powerpoint" xmlns:com="http://schemas.openxmlformats.org/drawingml/2006/compatibility" xmlns:p14="http://schemas.microsoft.com/office/powerpoint/2010/main" xmlns:p15="http://schemas.microsoft.com/office/powerpoint/2012/main" xmlns:ahyp="http://schemas.microsoft.com/office/drawing/2018/hyperlinkcolor">
   <p:cSld>
     <p:spTree>
       <p:nvGrpSpPr>
@@ -14845,7 +14845,7 @@
 </file>
 
 <file path=ppt/slides/slide25.xml><?xml version="1.0" encoding="utf-8"?>
-<p:sld xmlns:a="http://schemas.openxmlformats.org/drawingml/2006/main" xmlns:r="http://schemas.openxmlformats.org/officeDocument/2006/relationships" xmlns:mc="http://schemas.openxmlformats.org/markup-compatibility/2006" xmlns:mv="urn:schemas-microsoft-com:mac:vml" xmlns:p="http://schemas.openxmlformats.org/presentationml/2006/main" xmlns:c="http://schemas.openxmlformats.org/drawingml/2006/chart" xmlns:dgm="http://schemas.openxmlformats.org/drawingml/2006/diagram" xmlns:o="urn:schemas-microsoft-com:office:office" xmlns:v="urn:schemas-microsoft-com:vml" xmlns:pvml="urn:schemas-microsoft-com:office:powerpoint" xmlns:com="http://schemas.openxmlformats.org/drawingml/2006/compatibility" xmlns:p14="http://schemas.microsoft.com/office/powerpoint/2010/main" xmlns:p15="http://schemas.microsoft.com/office/powerpoint/2012/main">
+<p:sld xmlns:a="http://schemas.openxmlformats.org/drawingml/2006/main" xmlns:r="http://schemas.openxmlformats.org/officeDocument/2006/relationships" xmlns:mc="http://schemas.openxmlformats.org/markup-compatibility/2006" xmlns:mv="urn:schemas-microsoft-com:mac:vml" xmlns:p="http://schemas.openxmlformats.org/presentationml/2006/main" xmlns:c="http://schemas.openxmlformats.org/drawingml/2006/chart" xmlns:dgm="http://schemas.openxmlformats.org/drawingml/2006/diagram" xmlns:o="urn:schemas-microsoft-com:office:office" xmlns:v="urn:schemas-microsoft-com:vml" xmlns:pvml="urn:schemas-microsoft-com:office:powerpoint" xmlns:com="http://schemas.openxmlformats.org/drawingml/2006/compatibility" xmlns:p14="http://schemas.microsoft.com/office/powerpoint/2010/main" xmlns:p15="http://schemas.microsoft.com/office/powerpoint/2012/main" xmlns:ahyp="http://schemas.microsoft.com/office/drawing/2018/hyperlinkcolor">
   <p:cSld>
     <p:spTree>
       <p:nvGrpSpPr>
@@ -14977,7 +14977,7 @@
 </file>
 
 <file path=ppt/slides/slide26.xml><?xml version="1.0" encoding="utf-8"?>
-<p:sld xmlns:a="http://schemas.openxmlformats.org/drawingml/2006/main" xmlns:r="http://schemas.openxmlformats.org/officeDocument/2006/relationships" xmlns:mc="http://schemas.openxmlformats.org/markup-compatibility/2006" xmlns:mv="urn:schemas-microsoft-com:mac:vml" xmlns:p="http://schemas.openxmlformats.org/presentationml/2006/main" xmlns:c="http://schemas.openxmlformats.org/drawingml/2006/chart" xmlns:dgm="http://schemas.openxmlformats.org/drawingml/2006/diagram" xmlns:o="urn:schemas-microsoft-com:office:office" xmlns:v="urn:schemas-microsoft-com:vml" xmlns:pvml="urn:schemas-microsoft-com:office:powerpoint" xmlns:com="http://schemas.openxmlformats.org/drawingml/2006/compatibility" xmlns:p14="http://schemas.microsoft.com/office/powerpoint/2010/main" xmlns:p15="http://schemas.microsoft.com/office/powerpoint/2012/main">
+<p:sld xmlns:a="http://schemas.openxmlformats.org/drawingml/2006/main" xmlns:r="http://schemas.openxmlformats.org/officeDocument/2006/relationships" xmlns:mc="http://schemas.openxmlformats.org/markup-compatibility/2006" xmlns:mv="urn:schemas-microsoft-com:mac:vml" xmlns:p="http://schemas.openxmlformats.org/presentationml/2006/main" xmlns:c="http://schemas.openxmlformats.org/drawingml/2006/chart" xmlns:dgm="http://schemas.openxmlformats.org/drawingml/2006/diagram" xmlns:o="urn:schemas-microsoft-com:office:office" xmlns:v="urn:schemas-microsoft-com:vml" xmlns:pvml="urn:schemas-microsoft-com:office:powerpoint" xmlns:com="http://schemas.openxmlformats.org/drawingml/2006/compatibility" xmlns:p14="http://schemas.microsoft.com/office/powerpoint/2010/main" xmlns:p15="http://schemas.microsoft.com/office/powerpoint/2012/main" xmlns:ahyp="http://schemas.microsoft.com/office/drawing/2018/hyperlinkcolor">
   <p:cSld>
     <p:spTree>
       <p:nvGrpSpPr>
@@ -15069,7 +15069,7 @@
 </file>
 
 <file path=ppt/slides/slide27.xml><?xml version="1.0" encoding="utf-8"?>
-<p:sld xmlns:a="http://schemas.openxmlformats.org/drawingml/2006/main" xmlns:r="http://schemas.openxmlformats.org/officeDocument/2006/relationships" xmlns:mc="http://schemas.openxmlformats.org/markup-compatibility/2006" xmlns:mv="urn:schemas-microsoft-com:mac:vml" xmlns:p="http://schemas.openxmlformats.org/presentationml/2006/main" xmlns:c="http://schemas.openxmlformats.org/drawingml/2006/chart" xmlns:dgm="http://schemas.openxmlformats.org/drawingml/2006/diagram" xmlns:o="urn:schemas-microsoft-com:office:office" xmlns:v="urn:schemas-microsoft-com:vml" xmlns:pvml="urn:schemas-microsoft-com:office:powerpoint" xmlns:com="http://schemas.openxmlformats.org/drawingml/2006/compatibility" xmlns:p14="http://schemas.microsoft.com/office/powerpoint/2010/main" xmlns:p15="http://schemas.microsoft.com/office/powerpoint/2012/main">
+<p:sld xmlns:a="http://schemas.openxmlformats.org/drawingml/2006/main" xmlns:r="http://schemas.openxmlformats.org/officeDocument/2006/relationships" xmlns:mc="http://schemas.openxmlformats.org/markup-compatibility/2006" xmlns:mv="urn:schemas-microsoft-com:mac:vml" xmlns:p="http://schemas.openxmlformats.org/presentationml/2006/main" xmlns:c="http://schemas.openxmlformats.org/drawingml/2006/chart" xmlns:dgm="http://schemas.openxmlformats.org/drawingml/2006/diagram" xmlns:o="urn:schemas-microsoft-com:office:office" xmlns:v="urn:schemas-microsoft-com:vml" xmlns:pvml="urn:schemas-microsoft-com:office:powerpoint" xmlns:com="http://schemas.openxmlformats.org/drawingml/2006/compatibility" xmlns:p14="http://schemas.microsoft.com/office/powerpoint/2010/main" xmlns:p15="http://schemas.microsoft.com/office/powerpoint/2012/main" xmlns:ahyp="http://schemas.microsoft.com/office/drawing/2018/hyperlinkcolor">
   <p:cSld>
     <p:spTree>
       <p:nvGrpSpPr>
@@ -15179,7 +15179,23 @@
             </a:r>
             <a:r>
               <a:rPr lang="en"/>
-              <a:t>EE 5324 VLSI design paper -</a:t>
+              <a:t>EE 5324 VLSI design paper </a:t>
+            </a:r>
+            <a:endParaRPr/>
+          </a:p>
+          <a:p>
+            <a:pPr indent="0" lvl="0" marL="914400" rtl="0" algn="l">
+              <a:spcBef>
+                <a:spcPts val="1600"/>
+              </a:spcBef>
+              <a:spcAft>
+                <a:spcPts val="0"/>
+              </a:spcAft>
+              <a:buNone/>
+            </a:pPr>
+            <a:r>
+              <a:rPr lang="en"/>
+              <a:t>- </a:t>
             </a:r>
             <a:r>
               <a:rPr lang="en" sz="1100" u="sng">
@@ -15188,14 +15204,14 @@
                 </a:solidFill>
                 <a:hlinkClick r:id="rId3"/>
               </a:rPr>
-              <a:t>https://www.scribd.com/document/306913139/EE5324-CORDICpdf-pdf</a:t>
+              <a:t>w.scribd.com/document/306913139/EE5324-CORDICpdf-pdf</a:t>
             </a:r>
             <a:endParaRPr/>
           </a:p>
           <a:p>
             <a:pPr indent="-342900" lvl="0" marL="457200" rtl="0" algn="l">
               <a:spcBef>
-                <a:spcPts val="0"/>
+                <a:spcPts val="1600"/>
               </a:spcBef>
               <a:spcAft>
                 <a:spcPts val="0"/>
@@ -15244,7 +15260,7 @@
 </file>
 
 <file path=ppt/slides/slide3.xml><?xml version="1.0" encoding="utf-8"?>
-<p:sld xmlns:a="http://schemas.openxmlformats.org/drawingml/2006/main" xmlns:r="http://schemas.openxmlformats.org/officeDocument/2006/relationships" xmlns:mc="http://schemas.openxmlformats.org/markup-compatibility/2006" xmlns:mv="urn:schemas-microsoft-com:mac:vml" xmlns:p="http://schemas.openxmlformats.org/presentationml/2006/main" xmlns:c="http://schemas.openxmlformats.org/drawingml/2006/chart" xmlns:dgm="http://schemas.openxmlformats.org/drawingml/2006/diagram" xmlns:o="urn:schemas-microsoft-com:office:office" xmlns:v="urn:schemas-microsoft-com:vml" xmlns:pvml="urn:schemas-microsoft-com:office:powerpoint" xmlns:com="http://schemas.openxmlformats.org/drawingml/2006/compatibility" xmlns:p14="http://schemas.microsoft.com/office/powerpoint/2010/main" xmlns:p15="http://schemas.microsoft.com/office/powerpoint/2012/main">
+<p:sld xmlns:a="http://schemas.openxmlformats.org/drawingml/2006/main" xmlns:r="http://schemas.openxmlformats.org/officeDocument/2006/relationships" xmlns:mc="http://schemas.openxmlformats.org/markup-compatibility/2006" xmlns:mv="urn:schemas-microsoft-com:mac:vml" xmlns:p="http://schemas.openxmlformats.org/presentationml/2006/main" xmlns:c="http://schemas.openxmlformats.org/drawingml/2006/chart" xmlns:dgm="http://schemas.openxmlformats.org/drawingml/2006/diagram" xmlns:o="urn:schemas-microsoft-com:office:office" xmlns:v="urn:schemas-microsoft-com:vml" xmlns:pvml="urn:schemas-microsoft-com:office:powerpoint" xmlns:com="http://schemas.openxmlformats.org/drawingml/2006/compatibility" xmlns:p14="http://schemas.microsoft.com/office/powerpoint/2010/main" xmlns:p15="http://schemas.microsoft.com/office/powerpoint/2012/main" xmlns:ahyp="http://schemas.microsoft.com/office/drawing/2018/hyperlinkcolor">
   <p:cSld>
     <p:spTree>
       <p:nvGrpSpPr>
@@ -15596,7 +15612,7 @@
 </file>
 
 <file path=ppt/slides/slide4.xml><?xml version="1.0" encoding="utf-8"?>
-<p:sld xmlns:a="http://schemas.openxmlformats.org/drawingml/2006/main" xmlns:r="http://schemas.openxmlformats.org/officeDocument/2006/relationships" xmlns:mc="http://schemas.openxmlformats.org/markup-compatibility/2006" xmlns:mv="urn:schemas-microsoft-com:mac:vml" xmlns:p="http://schemas.openxmlformats.org/presentationml/2006/main" xmlns:c="http://schemas.openxmlformats.org/drawingml/2006/chart" xmlns:dgm="http://schemas.openxmlformats.org/drawingml/2006/diagram" xmlns:o="urn:schemas-microsoft-com:office:office" xmlns:v="urn:schemas-microsoft-com:vml" xmlns:pvml="urn:schemas-microsoft-com:office:powerpoint" xmlns:com="http://schemas.openxmlformats.org/drawingml/2006/compatibility" xmlns:p14="http://schemas.microsoft.com/office/powerpoint/2010/main" xmlns:p15="http://schemas.microsoft.com/office/powerpoint/2012/main">
+<p:sld xmlns:a="http://schemas.openxmlformats.org/drawingml/2006/main" xmlns:r="http://schemas.openxmlformats.org/officeDocument/2006/relationships" xmlns:mc="http://schemas.openxmlformats.org/markup-compatibility/2006" xmlns:mv="urn:schemas-microsoft-com:mac:vml" xmlns:p="http://schemas.openxmlformats.org/presentationml/2006/main" xmlns:c="http://schemas.openxmlformats.org/drawingml/2006/chart" xmlns:dgm="http://schemas.openxmlformats.org/drawingml/2006/diagram" xmlns:o="urn:schemas-microsoft-com:office:office" xmlns:v="urn:schemas-microsoft-com:vml" xmlns:pvml="urn:schemas-microsoft-com:office:powerpoint" xmlns:com="http://schemas.openxmlformats.org/drawingml/2006/compatibility" xmlns:p14="http://schemas.microsoft.com/office/powerpoint/2010/main" xmlns:p15="http://schemas.microsoft.com/office/powerpoint/2012/main" xmlns:ahyp="http://schemas.microsoft.com/office/drawing/2018/hyperlinkcolor">
   <p:cSld>
     <p:spTree>
       <p:nvGrpSpPr>
@@ -17108,7 +17124,7 @@
 </file>
 
 <file path=ppt/slides/slide5.xml><?xml version="1.0" encoding="utf-8"?>
-<p:sld xmlns:a="http://schemas.openxmlformats.org/drawingml/2006/main" xmlns:r="http://schemas.openxmlformats.org/officeDocument/2006/relationships" xmlns:mc="http://schemas.openxmlformats.org/markup-compatibility/2006" xmlns:mv="urn:schemas-microsoft-com:mac:vml" xmlns:p="http://schemas.openxmlformats.org/presentationml/2006/main" xmlns:c="http://schemas.openxmlformats.org/drawingml/2006/chart" xmlns:dgm="http://schemas.openxmlformats.org/drawingml/2006/diagram" xmlns:o="urn:schemas-microsoft-com:office:office" xmlns:v="urn:schemas-microsoft-com:vml" xmlns:pvml="urn:schemas-microsoft-com:office:powerpoint" xmlns:com="http://schemas.openxmlformats.org/drawingml/2006/compatibility" xmlns:p14="http://schemas.microsoft.com/office/powerpoint/2010/main" xmlns:p15="http://schemas.microsoft.com/office/powerpoint/2012/main">
+<p:sld xmlns:a="http://schemas.openxmlformats.org/drawingml/2006/main" xmlns:r="http://schemas.openxmlformats.org/officeDocument/2006/relationships" xmlns:mc="http://schemas.openxmlformats.org/markup-compatibility/2006" xmlns:mv="urn:schemas-microsoft-com:mac:vml" xmlns:p="http://schemas.openxmlformats.org/presentationml/2006/main" xmlns:c="http://schemas.openxmlformats.org/drawingml/2006/chart" xmlns:dgm="http://schemas.openxmlformats.org/drawingml/2006/diagram" xmlns:o="urn:schemas-microsoft-com:office:office" xmlns:v="urn:schemas-microsoft-com:vml" xmlns:pvml="urn:schemas-microsoft-com:office:powerpoint" xmlns:com="http://schemas.openxmlformats.org/drawingml/2006/compatibility" xmlns:p14="http://schemas.microsoft.com/office/powerpoint/2010/main" xmlns:p15="http://schemas.microsoft.com/office/powerpoint/2012/main" xmlns:ahyp="http://schemas.microsoft.com/office/drawing/2018/hyperlinkcolor">
   <p:cSld>
     <p:spTree>
       <p:nvGrpSpPr>
@@ -19945,7 +19961,7 @@
 </file>
 
 <file path=ppt/slides/slide6.xml><?xml version="1.0" encoding="utf-8"?>
-<p:sld xmlns:a="http://schemas.openxmlformats.org/drawingml/2006/main" xmlns:r="http://schemas.openxmlformats.org/officeDocument/2006/relationships" xmlns:mc="http://schemas.openxmlformats.org/markup-compatibility/2006" xmlns:mv="urn:schemas-microsoft-com:mac:vml" xmlns:p="http://schemas.openxmlformats.org/presentationml/2006/main" xmlns:c="http://schemas.openxmlformats.org/drawingml/2006/chart" xmlns:dgm="http://schemas.openxmlformats.org/drawingml/2006/diagram" xmlns:o="urn:schemas-microsoft-com:office:office" xmlns:v="urn:schemas-microsoft-com:vml" xmlns:pvml="urn:schemas-microsoft-com:office:powerpoint" xmlns:com="http://schemas.openxmlformats.org/drawingml/2006/compatibility" xmlns:p14="http://schemas.microsoft.com/office/powerpoint/2010/main" xmlns:p15="http://schemas.microsoft.com/office/powerpoint/2012/main">
+<p:sld xmlns:a="http://schemas.openxmlformats.org/drawingml/2006/main" xmlns:r="http://schemas.openxmlformats.org/officeDocument/2006/relationships" xmlns:mc="http://schemas.openxmlformats.org/markup-compatibility/2006" xmlns:mv="urn:schemas-microsoft-com:mac:vml" xmlns:p="http://schemas.openxmlformats.org/presentationml/2006/main" xmlns:c="http://schemas.openxmlformats.org/drawingml/2006/chart" xmlns:dgm="http://schemas.openxmlformats.org/drawingml/2006/diagram" xmlns:o="urn:schemas-microsoft-com:office:office" xmlns:v="urn:schemas-microsoft-com:vml" xmlns:pvml="urn:schemas-microsoft-com:office:powerpoint" xmlns:com="http://schemas.openxmlformats.org/drawingml/2006/compatibility" xmlns:p14="http://schemas.microsoft.com/office/powerpoint/2010/main" xmlns:p15="http://schemas.microsoft.com/office/powerpoint/2012/main" xmlns:ahyp="http://schemas.microsoft.com/office/drawing/2018/hyperlinkcolor">
   <p:cSld>
     <p:spTree>
       <p:nvGrpSpPr>
@@ -22446,7 +22462,7 @@
 </file>
 
 <file path=ppt/slides/slide7.xml><?xml version="1.0" encoding="utf-8"?>
-<p:sld xmlns:a="http://schemas.openxmlformats.org/drawingml/2006/main" xmlns:r="http://schemas.openxmlformats.org/officeDocument/2006/relationships" xmlns:mc="http://schemas.openxmlformats.org/markup-compatibility/2006" xmlns:mv="urn:schemas-microsoft-com:mac:vml" xmlns:p="http://schemas.openxmlformats.org/presentationml/2006/main" xmlns:c="http://schemas.openxmlformats.org/drawingml/2006/chart" xmlns:dgm="http://schemas.openxmlformats.org/drawingml/2006/diagram" xmlns:o="urn:schemas-microsoft-com:office:office" xmlns:v="urn:schemas-microsoft-com:vml" xmlns:pvml="urn:schemas-microsoft-com:office:powerpoint" xmlns:com="http://schemas.openxmlformats.org/drawingml/2006/compatibility" xmlns:p14="http://schemas.microsoft.com/office/powerpoint/2010/main" xmlns:p15="http://schemas.microsoft.com/office/powerpoint/2012/main">
+<p:sld xmlns:a="http://schemas.openxmlformats.org/drawingml/2006/main" xmlns:r="http://schemas.openxmlformats.org/officeDocument/2006/relationships" xmlns:mc="http://schemas.openxmlformats.org/markup-compatibility/2006" xmlns:mv="urn:schemas-microsoft-com:mac:vml" xmlns:p="http://schemas.openxmlformats.org/presentationml/2006/main" xmlns:c="http://schemas.openxmlformats.org/drawingml/2006/chart" xmlns:dgm="http://schemas.openxmlformats.org/drawingml/2006/diagram" xmlns:o="urn:schemas-microsoft-com:office:office" xmlns:v="urn:schemas-microsoft-com:vml" xmlns:pvml="urn:schemas-microsoft-com:office:powerpoint" xmlns:com="http://schemas.openxmlformats.org/drawingml/2006/compatibility" xmlns:p14="http://schemas.microsoft.com/office/powerpoint/2010/main" xmlns:p15="http://schemas.microsoft.com/office/powerpoint/2012/main" xmlns:ahyp="http://schemas.microsoft.com/office/drawing/2018/hyperlinkcolor">
   <p:cSld>
     <p:spTree>
       <p:nvGrpSpPr>
@@ -24531,7 +24547,7 @@
 </file>
 
 <file path=ppt/slides/slide8.xml><?xml version="1.0" encoding="utf-8"?>
-<p:sld xmlns:a="http://schemas.openxmlformats.org/drawingml/2006/main" xmlns:r="http://schemas.openxmlformats.org/officeDocument/2006/relationships" xmlns:mc="http://schemas.openxmlformats.org/markup-compatibility/2006" xmlns:mv="urn:schemas-microsoft-com:mac:vml" xmlns:p="http://schemas.openxmlformats.org/presentationml/2006/main" xmlns:c="http://schemas.openxmlformats.org/drawingml/2006/chart" xmlns:dgm="http://schemas.openxmlformats.org/drawingml/2006/diagram" xmlns:o="urn:schemas-microsoft-com:office:office" xmlns:v="urn:schemas-microsoft-com:vml" xmlns:pvml="urn:schemas-microsoft-com:office:powerpoint" xmlns:com="http://schemas.openxmlformats.org/drawingml/2006/compatibility" xmlns:p14="http://schemas.microsoft.com/office/powerpoint/2010/main" xmlns:p15="http://schemas.microsoft.com/office/powerpoint/2012/main">
+<p:sld xmlns:a="http://schemas.openxmlformats.org/drawingml/2006/main" xmlns:r="http://schemas.openxmlformats.org/officeDocument/2006/relationships" xmlns:mc="http://schemas.openxmlformats.org/markup-compatibility/2006" xmlns:mv="urn:schemas-microsoft-com:mac:vml" xmlns:p="http://schemas.openxmlformats.org/presentationml/2006/main" xmlns:c="http://schemas.openxmlformats.org/drawingml/2006/chart" xmlns:dgm="http://schemas.openxmlformats.org/drawingml/2006/diagram" xmlns:o="urn:schemas-microsoft-com:office:office" xmlns:v="urn:schemas-microsoft-com:vml" xmlns:pvml="urn:schemas-microsoft-com:office:powerpoint" xmlns:com="http://schemas.openxmlformats.org/drawingml/2006/compatibility" xmlns:p14="http://schemas.microsoft.com/office/powerpoint/2010/main" xmlns:p15="http://schemas.microsoft.com/office/powerpoint/2012/main" xmlns:ahyp="http://schemas.microsoft.com/office/drawing/2018/hyperlinkcolor">
   <p:cSld>
     <p:spTree>
       <p:nvGrpSpPr>
@@ -25941,7 +25957,7 @@
 </file>
 
 <file path=ppt/slides/slide9.xml><?xml version="1.0" encoding="utf-8"?>
-<p:sld xmlns:a="http://schemas.openxmlformats.org/drawingml/2006/main" xmlns:r="http://schemas.openxmlformats.org/officeDocument/2006/relationships" xmlns:mc="http://schemas.openxmlformats.org/markup-compatibility/2006" xmlns:mv="urn:schemas-microsoft-com:mac:vml" xmlns:p="http://schemas.openxmlformats.org/presentationml/2006/main" xmlns:c="http://schemas.openxmlformats.org/drawingml/2006/chart" xmlns:dgm="http://schemas.openxmlformats.org/drawingml/2006/diagram" xmlns:o="urn:schemas-microsoft-com:office:office" xmlns:v="urn:schemas-microsoft-com:vml" xmlns:pvml="urn:schemas-microsoft-com:office:powerpoint" xmlns:com="http://schemas.openxmlformats.org/drawingml/2006/compatibility" xmlns:p14="http://schemas.microsoft.com/office/powerpoint/2010/main" xmlns:p15="http://schemas.microsoft.com/office/powerpoint/2012/main">
+<p:sld xmlns:a="http://schemas.openxmlformats.org/drawingml/2006/main" xmlns:r="http://schemas.openxmlformats.org/officeDocument/2006/relationships" xmlns:mc="http://schemas.openxmlformats.org/markup-compatibility/2006" xmlns:mv="urn:schemas-microsoft-com:mac:vml" xmlns:p="http://schemas.openxmlformats.org/presentationml/2006/main" xmlns:c="http://schemas.openxmlformats.org/drawingml/2006/chart" xmlns:dgm="http://schemas.openxmlformats.org/drawingml/2006/diagram" xmlns:o="urn:schemas-microsoft-com:office:office" xmlns:v="urn:schemas-microsoft-com:vml" xmlns:pvml="urn:schemas-microsoft-com:office:powerpoint" xmlns:com="http://schemas.openxmlformats.org/drawingml/2006/compatibility" xmlns:p14="http://schemas.microsoft.com/office/powerpoint/2010/main" xmlns:p15="http://schemas.microsoft.com/office/powerpoint/2012/main" xmlns:ahyp="http://schemas.microsoft.com/office/drawing/2018/hyperlinkcolor">
   <p:cSld>
     <p:spTree>
       <p:nvGrpSpPr>
